--- a/path_planning/random_sampling/rrt_star/rrt_star.pptx
+++ b/path_planning/random_sampling/rrt_star/rrt_star.pptx
@@ -211,7 +211,7 @@
           <a:p>
             <a:fld id="{C05D3741-4BF1-4174-BB12-98FD157D24BE}" type="datetimeFigureOut">
               <a:rPr kumimoji="1" lang="ja-JP" altLang="en-US" smtClean="0"/>
-              <a:t>2020/9/13</a:t>
+              <a:t>2020/9/14</a:t>
             </a:fld>
             <a:endParaRPr kumimoji="1" lang="ja-JP" altLang="en-US"/>
           </a:p>
@@ -376,7 +376,7 @@
           <a:p>
             <a:fld id="{4133F667-6584-408D-AD7E-D18D0869DE33}" type="datetimeFigureOut">
               <a:rPr kumimoji="1" lang="ja-JP" altLang="en-US" smtClean="0"/>
-              <a:t>2020/9/13</a:t>
+              <a:t>2020/9/14</a:t>
             </a:fld>
             <a:endParaRPr kumimoji="1" lang="ja-JP" altLang="en-US"/>
           </a:p>
@@ -1142,7 +1142,7 @@
           <a:p>
             <a:fld id="{58A231F8-05F8-4D04-8D8F-8D36F813C960}" type="datetime1">
               <a:rPr kumimoji="1" lang="ja-JP" altLang="en-US" smtClean="0"/>
-              <a:t>2020/9/13</a:t>
+              <a:t>2020/9/14</a:t>
             </a:fld>
             <a:endParaRPr kumimoji="1" lang="ja-JP" altLang="en-US" dirty="0"/>
           </a:p>
@@ -1630,7 +1630,7 @@
           <a:p>
             <a:fld id="{2EA862FE-B9D9-42A4-9B96-9BF43C1C92F4}" type="datetime1">
               <a:rPr kumimoji="1" lang="ja-JP" altLang="en-US" smtClean="0"/>
-              <a:t>2020/9/13</a:t>
+              <a:t>2020/9/14</a:t>
             </a:fld>
             <a:endParaRPr kumimoji="1" lang="ja-JP" altLang="en-US"/>
           </a:p>
@@ -1919,7 +1919,7 @@
           <a:p>
             <a:fld id="{7EAA7B6B-D7DB-4F50-8363-5CAEA241D462}" type="datetime1">
               <a:rPr kumimoji="1" lang="ja-JP" altLang="en-US" smtClean="0"/>
-              <a:t>2020/9/13</a:t>
+              <a:t>2020/9/14</a:t>
             </a:fld>
             <a:endParaRPr kumimoji="1" lang="ja-JP" altLang="en-US"/>
           </a:p>
@@ -2181,7 +2181,7 @@
           <a:p>
             <a:fld id="{575A211C-F59B-4698-A055-613DBD159966}" type="datetime1">
               <a:rPr kumimoji="1" lang="ja-JP" altLang="en-US" smtClean="0"/>
-              <a:t>2020/9/13</a:t>
+              <a:t>2020/9/14</a:t>
             </a:fld>
             <a:endParaRPr kumimoji="1" lang="ja-JP" altLang="en-US"/>
           </a:p>
@@ -2448,7 +2448,7 @@
           <a:p>
             <a:fld id="{6C64430C-D7C9-451F-BB5A-4067700317EA}" type="datetime1">
               <a:rPr kumimoji="1" lang="ja-JP" altLang="en-US" smtClean="0"/>
-              <a:t>2020/9/13</a:t>
+              <a:t>2020/9/14</a:t>
             </a:fld>
             <a:endParaRPr kumimoji="1" lang="ja-JP" altLang="en-US"/>
           </a:p>
@@ -2819,7 +2819,7 @@
           <a:p>
             <a:fld id="{3BA0A93C-43D0-4C25-A999-C90A412EB384}" type="datetime1">
               <a:rPr kumimoji="1" lang="ja-JP" altLang="en-US" smtClean="0"/>
-              <a:t>2020/9/13</a:t>
+              <a:t>2020/9/14</a:t>
             </a:fld>
             <a:endParaRPr kumimoji="1" lang="ja-JP" altLang="en-US"/>
           </a:p>
@@ -3344,7 +3344,7 @@
           <a:p>
             <a:fld id="{17080468-DCD8-4552-92F2-26A66A1920AE}" type="datetime1">
               <a:rPr kumimoji="1" lang="ja-JP" altLang="en-US" smtClean="0"/>
-              <a:t>2020/9/13</a:t>
+              <a:t>2020/9/14</a:t>
             </a:fld>
             <a:endParaRPr kumimoji="1" lang="ja-JP" altLang="en-US"/>
           </a:p>
@@ -3710,7 +3710,7 @@
           <a:p>
             <a:fld id="{CF0BF97F-6A36-45BD-B261-185AD2EFD4F1}" type="datetime1">
               <a:rPr kumimoji="1" lang="ja-JP" altLang="en-US" smtClean="0"/>
-              <a:t>2020/9/13</a:t>
+              <a:t>2020/9/14</a:t>
             </a:fld>
             <a:endParaRPr kumimoji="1" lang="ja-JP" altLang="en-US"/>
           </a:p>
@@ -4196,7 +4196,7 @@
           <a:p>
             <a:fld id="{E187A37F-063B-4BF2-AE47-16D6CC460300}" type="datetime1">
               <a:rPr kumimoji="1" lang="ja-JP" altLang="en-US" smtClean="0"/>
-              <a:t>2020/9/13</a:t>
+              <a:t>2020/9/14</a:t>
             </a:fld>
             <a:endParaRPr kumimoji="1" lang="ja-JP" altLang="en-US"/>
           </a:p>
@@ -4291,7 +4291,7 @@
           <a:p>
             <a:fld id="{37A6803A-338A-4D1E-9AEA-3938A412C9D0}" type="datetime1">
               <a:rPr kumimoji="1" lang="ja-JP" altLang="en-US" smtClean="0"/>
-              <a:t>2020/9/13</a:t>
+              <a:t>2020/9/14</a:t>
             </a:fld>
             <a:endParaRPr kumimoji="1" lang="ja-JP" altLang="en-US"/>
           </a:p>
@@ -4453,7 +4453,7 @@
           <a:p>
             <a:fld id="{176F41DB-9FE4-4BC2-AA18-F04C127911AB}" type="datetime1">
               <a:rPr kumimoji="1" lang="ja-JP" altLang="en-US" smtClean="0"/>
-              <a:t>2020/9/13</a:t>
+              <a:t>2020/9/14</a:t>
             </a:fld>
             <a:endParaRPr kumimoji="1" lang="ja-JP" altLang="en-US"/>
           </a:p>
@@ -4548,7 +4548,7 @@
           <a:p>
             <a:fld id="{176F41DB-9FE4-4BC2-AA18-F04C127911AB}" type="datetime1">
               <a:rPr kumimoji="1" lang="ja-JP" altLang="en-US" smtClean="0"/>
-              <a:t>2020/9/13</a:t>
+              <a:t>2020/9/14</a:t>
             </a:fld>
             <a:endParaRPr kumimoji="1" lang="ja-JP" altLang="en-US"/>
           </a:p>
@@ -4857,7 +4857,7 @@
           <a:p>
             <a:fld id="{DB38D941-B664-458C-B9FE-B4BFA20B7DB2}" type="datetime1">
               <a:rPr kumimoji="1" lang="ja-JP" altLang="en-US" smtClean="0"/>
-              <a:t>2020/9/13</a:t>
+              <a:t>2020/9/14</a:t>
             </a:fld>
             <a:endParaRPr kumimoji="1" lang="ja-JP" altLang="en-US"/>
           </a:p>
@@ -6063,7 +6063,7 @@
             <p:spPr>
               <a:xfrm>
                 <a:off x="2972432" y="4999866"/>
-                <a:ext cx="1111779" cy="369332"/>
+                <a:ext cx="1138325" cy="369332"/>
               </a:xfrm>
               <a:prstGeom prst="rect">
                 <a:avLst/>
@@ -6080,38 +6080,32 @@
                     <m:sSub>
                       <m:sSubPr>
                         <m:ctrlPr>
-                          <a:rPr lang="en-US" altLang="ja-JP" smtClean="0">
+                          <a:rPr lang="en-US" altLang="ja-JP" b="1" i="1" smtClean="0">
                             <a:latin typeface="Cambria Math" panose="02040503050406030204" pitchFamily="18" charset="0"/>
                           </a:rPr>
                         </m:ctrlPr>
                       </m:sSubPr>
                       <m:e>
                         <m:r>
-                          <m:rPr>
-                            <m:sty m:val="p"/>
-                          </m:rPr>
-                          <a:rPr lang="en-US" altLang="ja-JP" b="0" i="0" smtClean="0">
+                          <a:rPr lang="en-US" altLang="ja-JP" b="1" i="0" smtClean="0">
                             <a:latin typeface="Cambria Math" panose="02040503050406030204" pitchFamily="18" charset="0"/>
                           </a:rPr>
-                          <m:t>p</m:t>
+                          <m:t>𝐩</m:t>
                         </m:r>
                       </m:e>
                       <m:sub>
                         <m:r>
-                          <m:rPr>
-                            <m:sty m:val="p"/>
-                          </m:rPr>
-                          <a:rPr lang="en-US" altLang="ja-JP" b="0" i="0">
+                          <a:rPr lang="en-US" altLang="ja-JP" b="1" i="0">
                             <a:latin typeface="Cambria Math" panose="02040503050406030204" pitchFamily="18" charset="0"/>
                           </a:rPr>
-                          <m:t>start</m:t>
+                          <m:t>𝐬𝐭𝐚𝐫𝐭</m:t>
                         </m:r>
                       </m:sub>
                     </m:sSub>
                   </m:oMath>
                 </a14:m>
                 <a:r>
-                  <a:rPr lang="en-US" altLang="ja-JP" dirty="0"/>
+                  <a:rPr lang="en-US" altLang="ja-JP" b="1" dirty="0"/>
                   <a:t>(</a:t>
                 </a:r>
                 <a14:m>
@@ -6119,38 +6113,35 @@
                     <m:sSub>
                       <m:sSubPr>
                         <m:ctrlPr>
-                          <a:rPr lang="en-US" altLang="ja-JP" dirty="0" smtClean="0">
+                          <a:rPr lang="en-US" altLang="ja-JP" b="1" i="1" dirty="0" smtClean="0">
                             <a:latin typeface="Cambria Math" panose="02040503050406030204" pitchFamily="18" charset="0"/>
                           </a:rPr>
                         </m:ctrlPr>
                       </m:sSubPr>
                       <m:e>
                         <m:r>
-                          <m:rPr>
-                            <m:sty m:val="p"/>
-                          </m:rPr>
-                          <a:rPr lang="en-US" altLang="ja-JP" b="0" i="0" dirty="0" smtClean="0">
+                          <a:rPr lang="en-US" altLang="ja-JP" b="1" i="0" dirty="0" smtClean="0">
                             <a:latin typeface="Cambria Math" panose="02040503050406030204" pitchFamily="18" charset="0"/>
                           </a:rPr>
-                          <m:t>p</m:t>
+                          <m:t>𝐩</m:t>
                         </m:r>
                       </m:e>
                       <m:sub>
                         <m:r>
-                          <a:rPr lang="en-US" altLang="ja-JP" b="0" i="0" dirty="0" smtClean="0">
+                          <a:rPr lang="en-US" altLang="ja-JP" b="1" i="0" dirty="0" smtClean="0">
                             <a:latin typeface="Cambria Math" panose="02040503050406030204" pitchFamily="18" charset="0"/>
                           </a:rPr>
-                          <m:t>1</m:t>
+                          <m:t>𝟏</m:t>
                         </m:r>
                       </m:sub>
                     </m:sSub>
                   </m:oMath>
                 </a14:m>
                 <a:r>
-                  <a:rPr lang="en-US" altLang="ja-JP" dirty="0"/>
+                  <a:rPr lang="en-US" altLang="ja-JP" b="1" dirty="0"/>
                   <a:t>)</a:t>
                 </a:r>
-                <a:endParaRPr lang="ja-JP" altLang="en-US" dirty="0"/>
+                <a:endParaRPr lang="ja-JP" altLang="en-US" b="1" dirty="0"/>
               </a:p>
             </p:txBody>
           </p:sp>
@@ -6173,7 +6164,7 @@
             <p:spPr>
               <a:xfrm>
                 <a:off x="2972432" y="4999866"/>
-                <a:ext cx="1111779" cy="369332"/>
+                <a:ext cx="1138325" cy="369332"/>
               </a:xfrm>
               <a:prstGeom prst="rect">
                 <a:avLst/>
@@ -6181,7 +6172,7 @@
               <a:blipFill>
                 <a:blip r:embed="rId2"/>
                 <a:stretch>
-                  <a:fillRect t="-6557" b="-26230"/>
+                  <a:fillRect t="-6557" r="-3763" b="-26230"/>
                 </a:stretch>
               </a:blipFill>
             </p:spPr>
@@ -6217,7 +6208,7 @@
             <p:spPr>
               <a:xfrm>
                 <a:off x="6983983" y="2521373"/>
-                <a:ext cx="726417" cy="395493"/>
+                <a:ext cx="736034" cy="395686"/>
               </a:xfrm>
               <a:prstGeom prst="rect">
                 <a:avLst/>
@@ -6239,38 +6230,32 @@
                       <m:sSub>
                         <m:sSubPr>
                           <m:ctrlPr>
-                            <a:rPr lang="en-US" altLang="ja-JP" smtClean="0">
+                            <a:rPr lang="en-US" altLang="ja-JP" b="1" i="1" smtClean="0">
                               <a:latin typeface="Cambria Math" panose="02040503050406030204" pitchFamily="18" charset="0"/>
                             </a:rPr>
                           </m:ctrlPr>
                         </m:sSubPr>
                         <m:e>
                           <m:r>
-                            <m:rPr>
-                              <m:sty m:val="p"/>
-                            </m:rPr>
-                            <a:rPr lang="en-US" altLang="ja-JP" b="0" i="0" smtClean="0">
+                            <a:rPr lang="en-US" altLang="ja-JP" b="1" i="0" smtClean="0">
                               <a:latin typeface="Cambria Math" panose="02040503050406030204" pitchFamily="18" charset="0"/>
                             </a:rPr>
-                            <m:t>p</m:t>
+                            <m:t>𝐩</m:t>
                           </m:r>
                         </m:e>
                         <m:sub>
                           <m:r>
-                            <m:rPr>
-                              <m:sty m:val="p"/>
-                            </m:rPr>
-                            <a:rPr lang="en-US" altLang="ja-JP" b="0" i="0">
+                            <a:rPr lang="en-US" altLang="ja-JP" b="1" i="0">
                               <a:latin typeface="Cambria Math" panose="02040503050406030204" pitchFamily="18" charset="0"/>
                             </a:rPr>
-                            <m:t>goal</m:t>
+                            <m:t>𝐠𝐨𝐚𝐥</m:t>
                           </m:r>
                         </m:sub>
                       </m:sSub>
                     </m:oMath>
                   </m:oMathPara>
                 </a14:m>
-                <a:endParaRPr lang="ja-JP" altLang="en-US" dirty="0"/>
+                <a:endParaRPr lang="ja-JP" altLang="en-US" b="1" dirty="0"/>
               </a:p>
             </p:txBody>
           </p:sp>
@@ -6293,7 +6278,7 @@
             <p:spPr>
               <a:xfrm>
                 <a:off x="6983983" y="2521373"/>
-                <a:ext cx="726417" cy="395493"/>
+                <a:ext cx="736034" cy="395686"/>
               </a:xfrm>
               <a:prstGeom prst="rect">
                 <a:avLst/>
@@ -6301,7 +6286,7 @@
               <a:blipFill>
                 <a:blip r:embed="rId3"/>
                 <a:stretch>
-                  <a:fillRect b="-10938"/>
+                  <a:fillRect b="-9231"/>
                 </a:stretch>
               </a:blipFill>
             </p:spPr>
@@ -7731,8 +7716,8 @@
           </a:p>
         </p:txBody>
       </p:sp>
-      <mc:AlternateContent xmlns:mc="http://schemas.openxmlformats.org/markup-compatibility/2006">
-        <mc:Choice xmlns:a14="http://schemas.microsoft.com/office/drawing/2010/main" Requires="a14">
+      <mc:AlternateContent xmlns:mc="http://schemas.openxmlformats.org/markup-compatibility/2006" xmlns:a14="http://schemas.microsoft.com/office/drawing/2010/main">
+        <mc:Choice Requires="a14">
           <p:sp>
             <p:nvSpPr>
               <p:cNvPr id="41" name="正方形/長方形 40">
@@ -7765,7 +7750,7 @@
                     <m:sSub>
                       <m:sSubPr>
                         <m:ctrlPr>
-                          <a:rPr lang="en-US" altLang="ja-JP" b="1" smtClean="0">
+                          <a:rPr lang="en-US" altLang="ja-JP" b="1" i="1" smtClean="0">
                             <a:latin typeface="Cambria Math" panose="02040503050406030204" pitchFamily="18" charset="0"/>
                           </a:rPr>
                         </m:ctrlPr>
@@ -7798,7 +7783,7 @@
                     <m:sSub>
                       <m:sSubPr>
                         <m:ctrlPr>
-                          <a:rPr lang="en-US" altLang="ja-JP" b="1" dirty="0" smtClean="0">
+                          <a:rPr lang="en-US" altLang="ja-JP" b="1" i="1" dirty="0" smtClean="0">
                             <a:latin typeface="Cambria Math" panose="02040503050406030204" pitchFamily="18" charset="0"/>
                           </a:rPr>
                         </m:ctrlPr>
@@ -7831,7 +7816,7 @@
             </p:txBody>
           </p:sp>
         </mc:Choice>
-        <mc:Fallback>
+        <mc:Fallback xmlns="">
           <p:sp>
             <p:nvSpPr>
               <p:cNvPr id="41" name="正方形/長方形 40">
@@ -7876,8 +7861,8 @@
           </p:sp>
         </mc:Fallback>
       </mc:AlternateContent>
-      <mc:AlternateContent xmlns:mc="http://schemas.openxmlformats.org/markup-compatibility/2006">
-        <mc:Choice xmlns:a14="http://schemas.microsoft.com/office/drawing/2010/main" Requires="a14">
+      <mc:AlternateContent xmlns:mc="http://schemas.openxmlformats.org/markup-compatibility/2006" xmlns:a14="http://schemas.microsoft.com/office/drawing/2010/main">
+        <mc:Choice Requires="a14">
           <p:sp>
             <p:nvSpPr>
               <p:cNvPr id="42" name="正方形/長方形 41">
@@ -7915,7 +7900,7 @@
                       <m:sSub>
                         <m:sSubPr>
                           <m:ctrlPr>
-                            <a:rPr lang="en-US" altLang="ja-JP" b="1" smtClean="0">
+                            <a:rPr lang="en-US" altLang="ja-JP" b="1" i="1" smtClean="0">
                               <a:latin typeface="Cambria Math" panose="02040503050406030204" pitchFamily="18" charset="0"/>
                             </a:rPr>
                           </m:ctrlPr>
@@ -7945,7 +7930,7 @@
             </p:txBody>
           </p:sp>
         </mc:Choice>
-        <mc:Fallback>
+        <mc:Fallback xmlns="">
           <p:sp>
             <p:nvSpPr>
               <p:cNvPr id="42" name="正方形/長方形 41">
@@ -7990,8 +7975,8 @@
           </p:sp>
         </mc:Fallback>
       </mc:AlternateContent>
-      <mc:AlternateContent xmlns:mc="http://schemas.openxmlformats.org/markup-compatibility/2006">
-        <mc:Choice xmlns:a14="http://schemas.microsoft.com/office/drawing/2010/main" Requires="a14">
+      <mc:AlternateContent xmlns:mc="http://schemas.openxmlformats.org/markup-compatibility/2006" xmlns:a14="http://schemas.microsoft.com/office/drawing/2010/main">
+        <mc:Choice Requires="a14">
           <p:sp>
             <p:nvSpPr>
               <p:cNvPr id="43" name="テキスト ボックス 42">
@@ -8030,7 +8015,7 @@
                       <m:sSub>
                         <m:sSubPr>
                           <m:ctrlPr>
-                            <a:rPr kumimoji="1" lang="en-US" altLang="ja-JP" b="1" smtClean="0">
+                            <a:rPr kumimoji="1" lang="en-US" altLang="ja-JP" b="1" i="1" smtClean="0">
                               <a:latin typeface="Cambria Math" panose="02040503050406030204" pitchFamily="18" charset="0"/>
                             </a:rPr>
                           </m:ctrlPr>
@@ -8060,7 +8045,7 @@
             </p:txBody>
           </p:sp>
         </mc:Choice>
-        <mc:Fallback>
+        <mc:Fallback xmlns="">
           <p:sp>
             <p:nvSpPr>
               <p:cNvPr id="43" name="テキスト ボックス 42">
@@ -8105,8 +8090,8 @@
           </p:sp>
         </mc:Fallback>
       </mc:AlternateContent>
-      <mc:AlternateContent xmlns:mc="http://schemas.openxmlformats.org/markup-compatibility/2006">
-        <mc:Choice xmlns:a14="http://schemas.microsoft.com/office/drawing/2010/main" Requires="a14">
+      <mc:AlternateContent xmlns:mc="http://schemas.openxmlformats.org/markup-compatibility/2006" xmlns:a14="http://schemas.microsoft.com/office/drawing/2010/main">
+        <mc:Choice Requires="a14">
           <p:sp>
             <p:nvSpPr>
               <p:cNvPr id="44" name="テキスト ボックス 43">
@@ -8145,7 +8130,7 @@
                       <m:sSub>
                         <m:sSubPr>
                           <m:ctrlPr>
-                            <a:rPr kumimoji="1" lang="en-US" altLang="ja-JP" b="1" smtClean="0">
+                            <a:rPr kumimoji="1" lang="en-US" altLang="ja-JP" b="1" i="1" smtClean="0">
                               <a:solidFill>
                                 <a:schemeClr val="tx1"/>
                               </a:solidFill>
@@ -8184,7 +8169,7 @@
             </p:txBody>
           </p:sp>
         </mc:Choice>
-        <mc:Fallback>
+        <mc:Fallback xmlns="">
           <p:sp>
             <p:nvSpPr>
               <p:cNvPr id="44" name="テキスト ボックス 43">
@@ -8229,8 +8214,8 @@
           </p:sp>
         </mc:Fallback>
       </mc:AlternateContent>
-      <mc:AlternateContent xmlns:mc="http://schemas.openxmlformats.org/markup-compatibility/2006">
-        <mc:Choice xmlns:a14="http://schemas.microsoft.com/office/drawing/2010/main" Requires="a14">
+      <mc:AlternateContent xmlns:mc="http://schemas.openxmlformats.org/markup-compatibility/2006" xmlns:a14="http://schemas.microsoft.com/office/drawing/2010/main">
+        <mc:Choice Requires="a14">
           <p:sp>
             <p:nvSpPr>
               <p:cNvPr id="45" name="テキスト ボックス 44">
@@ -8269,7 +8254,7 @@
                       <m:sSub>
                         <m:sSubPr>
                           <m:ctrlPr>
-                            <a:rPr kumimoji="1" lang="en-US" altLang="ja-JP" b="1" smtClean="0">
+                            <a:rPr kumimoji="1" lang="en-US" altLang="ja-JP" b="1" i="1" smtClean="0">
                               <a:latin typeface="Cambria Math" panose="02040503050406030204" pitchFamily="18" charset="0"/>
                             </a:rPr>
                           </m:ctrlPr>
@@ -8299,7 +8284,7 @@
             </p:txBody>
           </p:sp>
         </mc:Choice>
-        <mc:Fallback>
+        <mc:Fallback xmlns="">
           <p:sp>
             <p:nvSpPr>
               <p:cNvPr id="45" name="テキスト ボックス 44">
@@ -8344,8 +8329,8 @@
           </p:sp>
         </mc:Fallback>
       </mc:AlternateContent>
-      <mc:AlternateContent xmlns:mc="http://schemas.openxmlformats.org/markup-compatibility/2006">
-        <mc:Choice xmlns:a14="http://schemas.microsoft.com/office/drawing/2010/main" Requires="a14">
+      <mc:AlternateContent xmlns:mc="http://schemas.openxmlformats.org/markup-compatibility/2006" xmlns:a14="http://schemas.microsoft.com/office/drawing/2010/main">
+        <mc:Choice Requires="a14">
           <p:sp>
             <p:nvSpPr>
               <p:cNvPr id="46" name="テキスト ボックス 45">
@@ -8384,7 +8369,7 @@
                       <m:sSub>
                         <m:sSubPr>
                           <m:ctrlPr>
-                            <a:rPr kumimoji="1" lang="en-US" altLang="ja-JP" b="1" smtClean="0">
+                            <a:rPr kumimoji="1" lang="en-US" altLang="ja-JP" b="1" i="1" smtClean="0">
                               <a:latin typeface="Cambria Math" panose="02040503050406030204" pitchFamily="18" charset="0"/>
                             </a:rPr>
                           </m:ctrlPr>
@@ -8414,7 +8399,7 @@
             </p:txBody>
           </p:sp>
         </mc:Choice>
-        <mc:Fallback>
+        <mc:Fallback xmlns="">
           <p:sp>
             <p:nvSpPr>
               <p:cNvPr id="46" name="テキスト ボックス 45">
@@ -8459,8 +8444,8 @@
           </p:sp>
         </mc:Fallback>
       </mc:AlternateContent>
-      <mc:AlternateContent xmlns:mc="http://schemas.openxmlformats.org/markup-compatibility/2006">
-        <mc:Choice xmlns:a14="http://schemas.microsoft.com/office/drawing/2010/main" Requires="a14">
+      <mc:AlternateContent xmlns:mc="http://schemas.openxmlformats.org/markup-compatibility/2006" xmlns:a14="http://schemas.microsoft.com/office/drawing/2010/main">
+        <mc:Choice Requires="a14">
           <p:sp>
             <p:nvSpPr>
               <p:cNvPr id="48" name="テキスト ボックス 47">
@@ -8499,7 +8484,7 @@
                       <m:sSub>
                         <m:sSubPr>
                           <m:ctrlPr>
-                            <a:rPr kumimoji="1" lang="en-US" altLang="ja-JP" b="1" smtClean="0">
+                            <a:rPr kumimoji="1" lang="en-US" altLang="ja-JP" b="1" i="1" smtClean="0">
                               <a:latin typeface="Cambria Math" panose="02040503050406030204" pitchFamily="18" charset="0"/>
                             </a:rPr>
                           </m:ctrlPr>
@@ -8529,7 +8514,7 @@
             </p:txBody>
           </p:sp>
         </mc:Choice>
-        <mc:Fallback>
+        <mc:Fallback xmlns="">
           <p:sp>
             <p:nvSpPr>
               <p:cNvPr id="48" name="テキスト ボックス 47">
@@ -8574,8 +8559,8 @@
           </p:sp>
         </mc:Fallback>
       </mc:AlternateContent>
-      <mc:AlternateContent xmlns:mc="http://schemas.openxmlformats.org/markup-compatibility/2006">
-        <mc:Choice xmlns:a14="http://schemas.microsoft.com/office/drawing/2010/main" Requires="a14">
+      <mc:AlternateContent xmlns:mc="http://schemas.openxmlformats.org/markup-compatibility/2006" xmlns:a14="http://schemas.microsoft.com/office/drawing/2010/main">
+        <mc:Choice Requires="a14">
           <p:sp>
             <p:nvSpPr>
               <p:cNvPr id="49" name="テキスト ボックス 48">
@@ -8614,7 +8599,7 @@
                       <m:sSub>
                         <m:sSubPr>
                           <m:ctrlPr>
-                            <a:rPr kumimoji="1" lang="en-US" altLang="ja-JP" b="1" smtClean="0">
+                            <a:rPr kumimoji="1" lang="en-US" altLang="ja-JP" b="1" i="1" smtClean="0">
                               <a:solidFill>
                                 <a:schemeClr val="tx1"/>
                               </a:solidFill>
@@ -8653,7 +8638,7 @@
             </p:txBody>
           </p:sp>
         </mc:Choice>
-        <mc:Fallback>
+        <mc:Fallback xmlns="">
           <p:sp>
             <p:nvSpPr>
               <p:cNvPr id="49" name="テキスト ボックス 48">
@@ -10433,8 +10418,8 @@
           </a:p>
         </p:txBody>
       </p:sp>
-      <mc:AlternateContent xmlns:mc="http://schemas.openxmlformats.org/markup-compatibility/2006">
-        <mc:Choice xmlns:a14="http://schemas.microsoft.com/office/drawing/2010/main" Requires="a14">
+      <mc:AlternateContent xmlns:mc="http://schemas.openxmlformats.org/markup-compatibility/2006" xmlns:a14="http://schemas.microsoft.com/office/drawing/2010/main">
+        <mc:Choice Requires="a14">
           <p:sp>
             <p:nvSpPr>
               <p:cNvPr id="49" name="正方形/長方形 48">
@@ -10467,7 +10452,7 @@
                     <m:sSub>
                       <m:sSubPr>
                         <m:ctrlPr>
-                          <a:rPr lang="en-US" altLang="ja-JP" b="1" smtClean="0">
+                          <a:rPr lang="en-US" altLang="ja-JP" b="1" i="1" smtClean="0">
                             <a:latin typeface="Cambria Math" panose="02040503050406030204" pitchFamily="18" charset="0"/>
                           </a:rPr>
                         </m:ctrlPr>
@@ -10500,7 +10485,7 @@
                     <m:sSub>
                       <m:sSubPr>
                         <m:ctrlPr>
-                          <a:rPr lang="en-US" altLang="ja-JP" b="1" dirty="0" smtClean="0">
+                          <a:rPr lang="en-US" altLang="ja-JP" b="1" i="1" dirty="0" smtClean="0">
                             <a:latin typeface="Cambria Math" panose="02040503050406030204" pitchFamily="18" charset="0"/>
                           </a:rPr>
                         </m:ctrlPr>
@@ -10533,7 +10518,7 @@
             </p:txBody>
           </p:sp>
         </mc:Choice>
-        <mc:Fallback>
+        <mc:Fallback xmlns="">
           <p:sp>
             <p:nvSpPr>
               <p:cNvPr id="49" name="正方形/長方形 48">
@@ -10578,8 +10563,8 @@
           </p:sp>
         </mc:Fallback>
       </mc:AlternateContent>
-      <mc:AlternateContent xmlns:mc="http://schemas.openxmlformats.org/markup-compatibility/2006">
-        <mc:Choice xmlns:a14="http://schemas.microsoft.com/office/drawing/2010/main" Requires="a14">
+      <mc:AlternateContent xmlns:mc="http://schemas.openxmlformats.org/markup-compatibility/2006" xmlns:a14="http://schemas.microsoft.com/office/drawing/2010/main">
+        <mc:Choice Requires="a14">
           <p:sp>
             <p:nvSpPr>
               <p:cNvPr id="50" name="正方形/長方形 49">
@@ -10617,7 +10602,7 @@
                       <m:sSub>
                         <m:sSubPr>
                           <m:ctrlPr>
-                            <a:rPr lang="en-US" altLang="ja-JP" b="1" smtClean="0">
+                            <a:rPr lang="en-US" altLang="ja-JP" b="1" i="1" smtClean="0">
                               <a:latin typeface="Cambria Math" panose="02040503050406030204" pitchFamily="18" charset="0"/>
                             </a:rPr>
                           </m:ctrlPr>
@@ -10647,7 +10632,7 @@
             </p:txBody>
           </p:sp>
         </mc:Choice>
-        <mc:Fallback>
+        <mc:Fallback xmlns="">
           <p:sp>
             <p:nvSpPr>
               <p:cNvPr id="50" name="正方形/長方形 49">
@@ -10692,8 +10677,8 @@
           </p:sp>
         </mc:Fallback>
       </mc:AlternateContent>
-      <mc:AlternateContent xmlns:mc="http://schemas.openxmlformats.org/markup-compatibility/2006">
-        <mc:Choice xmlns:a14="http://schemas.microsoft.com/office/drawing/2010/main" Requires="a14">
+      <mc:AlternateContent xmlns:mc="http://schemas.openxmlformats.org/markup-compatibility/2006" xmlns:a14="http://schemas.microsoft.com/office/drawing/2010/main">
+        <mc:Choice Requires="a14">
           <p:sp>
             <p:nvSpPr>
               <p:cNvPr id="51" name="テキスト ボックス 50">
@@ -10732,7 +10717,7 @@
                       <m:sSub>
                         <m:sSubPr>
                           <m:ctrlPr>
-                            <a:rPr kumimoji="1" lang="en-US" altLang="ja-JP" b="1" smtClean="0">
+                            <a:rPr kumimoji="1" lang="en-US" altLang="ja-JP" b="1" i="1" smtClean="0">
                               <a:latin typeface="Cambria Math" panose="02040503050406030204" pitchFamily="18" charset="0"/>
                             </a:rPr>
                           </m:ctrlPr>
@@ -10762,7 +10747,7 @@
             </p:txBody>
           </p:sp>
         </mc:Choice>
-        <mc:Fallback>
+        <mc:Fallback xmlns="">
           <p:sp>
             <p:nvSpPr>
               <p:cNvPr id="51" name="テキスト ボックス 50">
@@ -10807,8 +10792,8 @@
           </p:sp>
         </mc:Fallback>
       </mc:AlternateContent>
-      <mc:AlternateContent xmlns:mc="http://schemas.openxmlformats.org/markup-compatibility/2006">
-        <mc:Choice xmlns:a14="http://schemas.microsoft.com/office/drawing/2010/main" Requires="a14">
+      <mc:AlternateContent xmlns:mc="http://schemas.openxmlformats.org/markup-compatibility/2006" xmlns:a14="http://schemas.microsoft.com/office/drawing/2010/main">
+        <mc:Choice Requires="a14">
           <p:sp>
             <p:nvSpPr>
               <p:cNvPr id="52" name="テキスト ボックス 51">
@@ -10847,7 +10832,7 @@
                       <m:sSub>
                         <m:sSubPr>
                           <m:ctrlPr>
-                            <a:rPr kumimoji="1" lang="en-US" altLang="ja-JP" b="1" smtClean="0">
+                            <a:rPr kumimoji="1" lang="en-US" altLang="ja-JP" b="1" i="1" smtClean="0">
                               <a:solidFill>
                                 <a:schemeClr val="bg1"/>
                               </a:solidFill>
@@ -10886,7 +10871,7 @@
             </p:txBody>
           </p:sp>
         </mc:Choice>
-        <mc:Fallback>
+        <mc:Fallback xmlns="">
           <p:sp>
             <p:nvSpPr>
               <p:cNvPr id="52" name="テキスト ボックス 51">
@@ -10977,8 +10962,8 @@
           </a:fontRef>
         </p:style>
       </p:cxnSp>
-      <mc:AlternateContent xmlns:mc="http://schemas.openxmlformats.org/markup-compatibility/2006">
-        <mc:Choice xmlns:a14="http://schemas.microsoft.com/office/drawing/2010/main" Requires="a14">
+      <mc:AlternateContent xmlns:mc="http://schemas.openxmlformats.org/markup-compatibility/2006" xmlns:a14="http://schemas.microsoft.com/office/drawing/2010/main">
+        <mc:Choice Requires="a14">
           <p:sp>
             <p:nvSpPr>
               <p:cNvPr id="53" name="テキスト ボックス 52">
@@ -11017,7 +11002,7 @@
                       <m:sSub>
                         <m:sSubPr>
                           <m:ctrlPr>
-                            <a:rPr kumimoji="1" lang="en-US" altLang="ja-JP" b="1" smtClean="0">
+                            <a:rPr kumimoji="1" lang="en-US" altLang="ja-JP" b="1" i="1" smtClean="0">
                               <a:latin typeface="Cambria Math" panose="02040503050406030204" pitchFamily="18" charset="0"/>
                             </a:rPr>
                           </m:ctrlPr>
@@ -11047,7 +11032,7 @@
             </p:txBody>
           </p:sp>
         </mc:Choice>
-        <mc:Fallback>
+        <mc:Fallback xmlns="">
           <p:sp>
             <p:nvSpPr>
               <p:cNvPr id="53" name="テキスト ボックス 52">
@@ -11092,8 +11077,8 @@
           </p:sp>
         </mc:Fallback>
       </mc:AlternateContent>
-      <mc:AlternateContent xmlns:mc="http://schemas.openxmlformats.org/markup-compatibility/2006">
-        <mc:Choice xmlns:a14="http://schemas.microsoft.com/office/drawing/2010/main" Requires="a14">
+      <mc:AlternateContent xmlns:mc="http://schemas.openxmlformats.org/markup-compatibility/2006" xmlns:a14="http://schemas.microsoft.com/office/drawing/2010/main">
+        <mc:Choice Requires="a14">
           <p:sp>
             <p:nvSpPr>
               <p:cNvPr id="54" name="テキスト ボックス 53">
@@ -11132,7 +11117,7 @@
                       <m:sSub>
                         <m:sSubPr>
                           <m:ctrlPr>
-                            <a:rPr kumimoji="1" lang="en-US" altLang="ja-JP" b="1" smtClean="0">
+                            <a:rPr kumimoji="1" lang="en-US" altLang="ja-JP" b="1" i="1" smtClean="0">
                               <a:latin typeface="Cambria Math" panose="02040503050406030204" pitchFamily="18" charset="0"/>
                             </a:rPr>
                           </m:ctrlPr>
@@ -11162,7 +11147,7 @@
             </p:txBody>
           </p:sp>
         </mc:Choice>
-        <mc:Fallback>
+        <mc:Fallback xmlns="">
           <p:sp>
             <p:nvSpPr>
               <p:cNvPr id="54" name="テキスト ボックス 53">
@@ -11207,8 +11192,8 @@
           </p:sp>
         </mc:Fallback>
       </mc:AlternateContent>
-      <mc:AlternateContent xmlns:mc="http://schemas.openxmlformats.org/markup-compatibility/2006">
-        <mc:Choice xmlns:a14="http://schemas.microsoft.com/office/drawing/2010/main" Requires="a14">
+      <mc:AlternateContent xmlns:mc="http://schemas.openxmlformats.org/markup-compatibility/2006" xmlns:a14="http://schemas.microsoft.com/office/drawing/2010/main">
+        <mc:Choice Requires="a14">
           <p:sp>
             <p:nvSpPr>
               <p:cNvPr id="56" name="テキスト ボックス 55">
@@ -11247,7 +11232,7 @@
                       <m:sSub>
                         <m:sSubPr>
                           <m:ctrlPr>
-                            <a:rPr kumimoji="1" lang="en-US" altLang="ja-JP" b="1" smtClean="0">
+                            <a:rPr kumimoji="1" lang="en-US" altLang="ja-JP" b="1" i="1" smtClean="0">
                               <a:latin typeface="Cambria Math" panose="02040503050406030204" pitchFamily="18" charset="0"/>
                             </a:rPr>
                           </m:ctrlPr>
@@ -11277,7 +11262,7 @@
             </p:txBody>
           </p:sp>
         </mc:Choice>
-        <mc:Fallback>
+        <mc:Fallback xmlns="">
           <p:sp>
             <p:nvSpPr>
               <p:cNvPr id="56" name="テキスト ボックス 55">
@@ -11322,8 +11307,8 @@
           </p:sp>
         </mc:Fallback>
       </mc:AlternateContent>
-      <mc:AlternateContent xmlns:mc="http://schemas.openxmlformats.org/markup-compatibility/2006">
-        <mc:Choice xmlns:a14="http://schemas.microsoft.com/office/drawing/2010/main" Requires="a14">
+      <mc:AlternateContent xmlns:mc="http://schemas.openxmlformats.org/markup-compatibility/2006" xmlns:a14="http://schemas.microsoft.com/office/drawing/2010/main">
+        <mc:Choice Requires="a14">
           <p:sp>
             <p:nvSpPr>
               <p:cNvPr id="57" name="テキスト ボックス 56">
@@ -11362,7 +11347,7 @@
                       <m:sSub>
                         <m:sSubPr>
                           <m:ctrlPr>
-                            <a:rPr kumimoji="1" lang="en-US" altLang="ja-JP" b="1" smtClean="0">
+                            <a:rPr kumimoji="1" lang="en-US" altLang="ja-JP" b="1" i="1" smtClean="0">
                               <a:solidFill>
                                 <a:schemeClr val="tx1"/>
                               </a:solidFill>
@@ -11401,7 +11386,7 @@
             </p:txBody>
           </p:sp>
         </mc:Choice>
-        <mc:Fallback>
+        <mc:Fallback xmlns="">
           <p:sp>
             <p:nvSpPr>
               <p:cNvPr id="57" name="テキスト ボックス 56">
@@ -13122,8 +13107,8 @@
           </a:p>
         </p:txBody>
       </p:sp>
-      <mc:AlternateContent xmlns:mc="http://schemas.openxmlformats.org/markup-compatibility/2006">
-        <mc:Choice xmlns:a14="http://schemas.microsoft.com/office/drawing/2010/main" Requires="a14">
+      <mc:AlternateContent xmlns:mc="http://schemas.openxmlformats.org/markup-compatibility/2006" xmlns:a14="http://schemas.microsoft.com/office/drawing/2010/main">
+        <mc:Choice Requires="a14">
           <p:sp>
             <p:nvSpPr>
               <p:cNvPr id="48" name="正方形/長方形 47">
@@ -13156,7 +13141,7 @@
                     <m:sSub>
                       <m:sSubPr>
                         <m:ctrlPr>
-                          <a:rPr lang="en-US" altLang="ja-JP" b="1" smtClean="0">
+                          <a:rPr lang="en-US" altLang="ja-JP" b="1" i="1" smtClean="0">
                             <a:latin typeface="Cambria Math" panose="02040503050406030204" pitchFamily="18" charset="0"/>
                           </a:rPr>
                         </m:ctrlPr>
@@ -13189,7 +13174,7 @@
                     <m:sSub>
                       <m:sSubPr>
                         <m:ctrlPr>
-                          <a:rPr lang="en-US" altLang="ja-JP" b="1" dirty="0" smtClean="0">
+                          <a:rPr lang="en-US" altLang="ja-JP" b="1" i="1" dirty="0" smtClean="0">
                             <a:latin typeface="Cambria Math" panose="02040503050406030204" pitchFamily="18" charset="0"/>
                           </a:rPr>
                         </m:ctrlPr>
@@ -13222,7 +13207,7 @@
             </p:txBody>
           </p:sp>
         </mc:Choice>
-        <mc:Fallback>
+        <mc:Fallback xmlns="">
           <p:sp>
             <p:nvSpPr>
               <p:cNvPr id="48" name="正方形/長方形 47">
@@ -13267,8 +13252,8 @@
           </p:sp>
         </mc:Fallback>
       </mc:AlternateContent>
-      <mc:AlternateContent xmlns:mc="http://schemas.openxmlformats.org/markup-compatibility/2006">
-        <mc:Choice xmlns:a14="http://schemas.microsoft.com/office/drawing/2010/main" Requires="a14">
+      <mc:AlternateContent xmlns:mc="http://schemas.openxmlformats.org/markup-compatibility/2006" xmlns:a14="http://schemas.microsoft.com/office/drawing/2010/main">
+        <mc:Choice Requires="a14">
           <p:sp>
             <p:nvSpPr>
               <p:cNvPr id="49" name="正方形/長方形 48">
@@ -13306,7 +13291,7 @@
                       <m:sSub>
                         <m:sSubPr>
                           <m:ctrlPr>
-                            <a:rPr lang="en-US" altLang="ja-JP" b="1" smtClean="0">
+                            <a:rPr lang="en-US" altLang="ja-JP" b="1" i="1" smtClean="0">
                               <a:latin typeface="Cambria Math" panose="02040503050406030204" pitchFamily="18" charset="0"/>
                             </a:rPr>
                           </m:ctrlPr>
@@ -13336,7 +13321,7 @@
             </p:txBody>
           </p:sp>
         </mc:Choice>
-        <mc:Fallback>
+        <mc:Fallback xmlns="">
           <p:sp>
             <p:nvSpPr>
               <p:cNvPr id="49" name="正方形/長方形 48">
@@ -13381,8 +13366,8 @@
           </p:sp>
         </mc:Fallback>
       </mc:AlternateContent>
-      <mc:AlternateContent xmlns:mc="http://schemas.openxmlformats.org/markup-compatibility/2006">
-        <mc:Choice xmlns:a14="http://schemas.microsoft.com/office/drawing/2010/main" Requires="a14">
+      <mc:AlternateContent xmlns:mc="http://schemas.openxmlformats.org/markup-compatibility/2006" xmlns:a14="http://schemas.microsoft.com/office/drawing/2010/main">
+        <mc:Choice Requires="a14">
           <p:sp>
             <p:nvSpPr>
               <p:cNvPr id="50" name="テキスト ボックス 49">
@@ -13421,7 +13406,7 @@
                       <m:sSub>
                         <m:sSubPr>
                           <m:ctrlPr>
-                            <a:rPr kumimoji="1" lang="en-US" altLang="ja-JP" b="1" smtClean="0">
+                            <a:rPr kumimoji="1" lang="en-US" altLang="ja-JP" b="1" i="1" smtClean="0">
                               <a:solidFill>
                                 <a:schemeClr val="bg1"/>
                               </a:solidFill>
@@ -13460,7 +13445,7 @@
             </p:txBody>
           </p:sp>
         </mc:Choice>
-        <mc:Fallback>
+        <mc:Fallback xmlns="">
           <p:sp>
             <p:nvSpPr>
               <p:cNvPr id="50" name="テキスト ボックス 49">
@@ -13505,8 +13490,8 @@
           </p:sp>
         </mc:Fallback>
       </mc:AlternateContent>
-      <mc:AlternateContent xmlns:mc="http://schemas.openxmlformats.org/markup-compatibility/2006">
-        <mc:Choice xmlns:a14="http://schemas.microsoft.com/office/drawing/2010/main" Requires="a14">
+      <mc:AlternateContent xmlns:mc="http://schemas.openxmlformats.org/markup-compatibility/2006" xmlns:a14="http://schemas.microsoft.com/office/drawing/2010/main">
+        <mc:Choice Requires="a14">
           <p:sp>
             <p:nvSpPr>
               <p:cNvPr id="51" name="テキスト ボックス 50">
@@ -13545,7 +13530,7 @@
                       <m:sSub>
                         <m:sSubPr>
                           <m:ctrlPr>
-                            <a:rPr kumimoji="1" lang="en-US" altLang="ja-JP" b="1" smtClean="0">
+                            <a:rPr kumimoji="1" lang="en-US" altLang="ja-JP" b="1" i="1" smtClean="0">
                               <a:latin typeface="Cambria Math" panose="02040503050406030204" pitchFamily="18" charset="0"/>
                             </a:rPr>
                           </m:ctrlPr>
@@ -13575,7 +13560,7 @@
             </p:txBody>
           </p:sp>
         </mc:Choice>
-        <mc:Fallback>
+        <mc:Fallback xmlns="">
           <p:sp>
             <p:nvSpPr>
               <p:cNvPr id="51" name="テキスト ボックス 50">
@@ -13620,8 +13605,8 @@
           </p:sp>
         </mc:Fallback>
       </mc:AlternateContent>
-      <mc:AlternateContent xmlns:mc="http://schemas.openxmlformats.org/markup-compatibility/2006">
-        <mc:Choice xmlns:a14="http://schemas.microsoft.com/office/drawing/2010/main" Requires="a14">
+      <mc:AlternateContent xmlns:mc="http://schemas.openxmlformats.org/markup-compatibility/2006" xmlns:a14="http://schemas.microsoft.com/office/drawing/2010/main">
+        <mc:Choice Requires="a14">
           <p:sp>
             <p:nvSpPr>
               <p:cNvPr id="52" name="テキスト ボックス 51">
@@ -13660,7 +13645,7 @@
                       <m:sSub>
                         <m:sSubPr>
                           <m:ctrlPr>
-                            <a:rPr kumimoji="1" lang="en-US" altLang="ja-JP" b="1" smtClean="0">
+                            <a:rPr kumimoji="1" lang="en-US" altLang="ja-JP" b="1" i="1" smtClean="0">
                               <a:solidFill>
                                 <a:schemeClr val="bg1"/>
                               </a:solidFill>
@@ -13699,7 +13684,7 @@
             </p:txBody>
           </p:sp>
         </mc:Choice>
-        <mc:Fallback>
+        <mc:Fallback xmlns="">
           <p:sp>
             <p:nvSpPr>
               <p:cNvPr id="52" name="テキスト ボックス 51">
@@ -13744,8 +13729,8 @@
           </p:sp>
         </mc:Fallback>
       </mc:AlternateContent>
-      <mc:AlternateContent xmlns:mc="http://schemas.openxmlformats.org/markup-compatibility/2006">
-        <mc:Choice xmlns:a14="http://schemas.microsoft.com/office/drawing/2010/main" Requires="a14">
+      <mc:AlternateContent xmlns:mc="http://schemas.openxmlformats.org/markup-compatibility/2006" xmlns:a14="http://schemas.microsoft.com/office/drawing/2010/main">
+        <mc:Choice Requires="a14">
           <p:sp>
             <p:nvSpPr>
               <p:cNvPr id="53" name="テキスト ボックス 52">
@@ -13784,7 +13769,7 @@
                       <m:sSub>
                         <m:sSubPr>
                           <m:ctrlPr>
-                            <a:rPr kumimoji="1" lang="en-US" altLang="ja-JP" b="1" smtClean="0">
+                            <a:rPr kumimoji="1" lang="en-US" altLang="ja-JP" b="1" i="1" smtClean="0">
                               <a:latin typeface="Cambria Math" panose="02040503050406030204" pitchFamily="18" charset="0"/>
                             </a:rPr>
                           </m:ctrlPr>
@@ -13814,7 +13799,7 @@
             </p:txBody>
           </p:sp>
         </mc:Choice>
-        <mc:Fallback>
+        <mc:Fallback xmlns="">
           <p:sp>
             <p:nvSpPr>
               <p:cNvPr id="53" name="テキスト ボックス 52">
@@ -13859,8 +13844,8 @@
           </p:sp>
         </mc:Fallback>
       </mc:AlternateContent>
-      <mc:AlternateContent xmlns:mc="http://schemas.openxmlformats.org/markup-compatibility/2006">
-        <mc:Choice xmlns:a14="http://schemas.microsoft.com/office/drawing/2010/main" Requires="a14">
+      <mc:AlternateContent xmlns:mc="http://schemas.openxmlformats.org/markup-compatibility/2006" xmlns:a14="http://schemas.microsoft.com/office/drawing/2010/main">
+        <mc:Choice Requires="a14">
           <p:sp>
             <p:nvSpPr>
               <p:cNvPr id="54" name="テキスト ボックス 53">
@@ -13899,7 +13884,7 @@
                       <m:sSub>
                         <m:sSubPr>
                           <m:ctrlPr>
-                            <a:rPr kumimoji="1" lang="en-US" altLang="ja-JP" b="1" smtClean="0">
+                            <a:rPr kumimoji="1" lang="en-US" altLang="ja-JP" b="1" i="1" smtClean="0">
                               <a:latin typeface="Cambria Math" panose="02040503050406030204" pitchFamily="18" charset="0"/>
                             </a:rPr>
                           </m:ctrlPr>
@@ -13929,7 +13914,7 @@
             </p:txBody>
           </p:sp>
         </mc:Choice>
-        <mc:Fallback>
+        <mc:Fallback xmlns="">
           <p:sp>
             <p:nvSpPr>
               <p:cNvPr id="54" name="テキスト ボックス 53">
@@ -13974,8 +13959,8 @@
           </p:sp>
         </mc:Fallback>
       </mc:AlternateContent>
-      <mc:AlternateContent xmlns:mc="http://schemas.openxmlformats.org/markup-compatibility/2006">
-        <mc:Choice xmlns:a14="http://schemas.microsoft.com/office/drawing/2010/main" Requires="a14">
+      <mc:AlternateContent xmlns:mc="http://schemas.openxmlformats.org/markup-compatibility/2006" xmlns:a14="http://schemas.microsoft.com/office/drawing/2010/main">
+        <mc:Choice Requires="a14">
           <p:sp>
             <p:nvSpPr>
               <p:cNvPr id="56" name="テキスト ボックス 55">
@@ -14014,7 +13999,7 @@
                       <m:sSub>
                         <m:sSubPr>
                           <m:ctrlPr>
-                            <a:rPr kumimoji="1" lang="en-US" altLang="ja-JP" b="1" smtClean="0">
+                            <a:rPr kumimoji="1" lang="en-US" altLang="ja-JP" b="1" i="1" smtClean="0">
                               <a:latin typeface="Cambria Math" panose="02040503050406030204" pitchFamily="18" charset="0"/>
                             </a:rPr>
                           </m:ctrlPr>
@@ -14044,7 +14029,7 @@
             </p:txBody>
           </p:sp>
         </mc:Choice>
-        <mc:Fallback>
+        <mc:Fallback xmlns="">
           <p:sp>
             <p:nvSpPr>
               <p:cNvPr id="56" name="テキスト ボックス 55">
@@ -14089,8 +14074,8 @@
           </p:sp>
         </mc:Fallback>
       </mc:AlternateContent>
-      <mc:AlternateContent xmlns:mc="http://schemas.openxmlformats.org/markup-compatibility/2006">
-        <mc:Choice xmlns:a14="http://schemas.microsoft.com/office/drawing/2010/main" Requires="a14">
+      <mc:AlternateContent xmlns:mc="http://schemas.openxmlformats.org/markup-compatibility/2006" xmlns:a14="http://schemas.microsoft.com/office/drawing/2010/main">
+        <mc:Choice Requires="a14">
           <p:sp>
             <p:nvSpPr>
               <p:cNvPr id="57" name="テキスト ボックス 56">
@@ -14129,7 +14114,7 @@
                       <m:sSub>
                         <m:sSubPr>
                           <m:ctrlPr>
-                            <a:rPr kumimoji="1" lang="en-US" altLang="ja-JP" b="1" smtClean="0">
+                            <a:rPr kumimoji="1" lang="en-US" altLang="ja-JP" b="1" i="1" smtClean="0">
                               <a:solidFill>
                                 <a:schemeClr val="tx1"/>
                               </a:solidFill>
@@ -14168,7 +14153,7 @@
             </p:txBody>
           </p:sp>
         </mc:Choice>
-        <mc:Fallback>
+        <mc:Fallback xmlns="">
           <p:sp>
             <p:nvSpPr>
               <p:cNvPr id="57" name="テキスト ボックス 56">
@@ -15769,8 +15754,8 @@
           </a:p>
         </p:txBody>
       </p:sp>
-      <mc:AlternateContent xmlns:mc="http://schemas.openxmlformats.org/markup-compatibility/2006">
-        <mc:Choice xmlns:a14="http://schemas.microsoft.com/office/drawing/2010/main" Requires="a14">
+      <mc:AlternateContent xmlns:mc="http://schemas.openxmlformats.org/markup-compatibility/2006" xmlns:a14="http://schemas.microsoft.com/office/drawing/2010/main">
+        <mc:Choice Requires="a14">
           <p:sp>
             <p:nvSpPr>
               <p:cNvPr id="46" name="正方形/長方形 45">
@@ -15803,7 +15788,7 @@
                     <m:sSub>
                       <m:sSubPr>
                         <m:ctrlPr>
-                          <a:rPr lang="en-US" altLang="ja-JP" b="1" smtClean="0">
+                          <a:rPr lang="en-US" altLang="ja-JP" b="1" i="1" smtClean="0">
                             <a:latin typeface="Cambria Math" panose="02040503050406030204" pitchFamily="18" charset="0"/>
                           </a:rPr>
                         </m:ctrlPr>
@@ -15836,7 +15821,7 @@
                     <m:sSub>
                       <m:sSubPr>
                         <m:ctrlPr>
-                          <a:rPr lang="en-US" altLang="ja-JP" b="1" dirty="0" smtClean="0">
+                          <a:rPr lang="en-US" altLang="ja-JP" b="1" i="1" dirty="0" smtClean="0">
                             <a:latin typeface="Cambria Math" panose="02040503050406030204" pitchFamily="18" charset="0"/>
                           </a:rPr>
                         </m:ctrlPr>
@@ -15869,7 +15854,7 @@
             </p:txBody>
           </p:sp>
         </mc:Choice>
-        <mc:Fallback>
+        <mc:Fallback xmlns="">
           <p:sp>
             <p:nvSpPr>
               <p:cNvPr id="46" name="正方形/長方形 45">
@@ -15914,8 +15899,8 @@
           </p:sp>
         </mc:Fallback>
       </mc:AlternateContent>
-      <mc:AlternateContent xmlns:mc="http://schemas.openxmlformats.org/markup-compatibility/2006">
-        <mc:Choice xmlns:a14="http://schemas.microsoft.com/office/drawing/2010/main" Requires="a14">
+      <mc:AlternateContent xmlns:mc="http://schemas.openxmlformats.org/markup-compatibility/2006" xmlns:a14="http://schemas.microsoft.com/office/drawing/2010/main">
+        <mc:Choice Requires="a14">
           <p:sp>
             <p:nvSpPr>
               <p:cNvPr id="47" name="正方形/長方形 46">
@@ -15953,7 +15938,7 @@
                       <m:sSub>
                         <m:sSubPr>
                           <m:ctrlPr>
-                            <a:rPr lang="en-US" altLang="ja-JP" b="1" smtClean="0">
+                            <a:rPr lang="en-US" altLang="ja-JP" b="1" i="1" smtClean="0">
                               <a:latin typeface="Cambria Math" panose="02040503050406030204" pitchFamily="18" charset="0"/>
                             </a:rPr>
                           </m:ctrlPr>
@@ -15983,7 +15968,7 @@
             </p:txBody>
           </p:sp>
         </mc:Choice>
-        <mc:Fallback>
+        <mc:Fallback xmlns="">
           <p:sp>
             <p:nvSpPr>
               <p:cNvPr id="47" name="正方形/長方形 46">
@@ -16028,8 +16013,8 @@
           </p:sp>
         </mc:Fallback>
       </mc:AlternateContent>
-      <mc:AlternateContent xmlns:mc="http://schemas.openxmlformats.org/markup-compatibility/2006">
-        <mc:Choice xmlns:a14="http://schemas.microsoft.com/office/drawing/2010/main" Requires="a14">
+      <mc:AlternateContent xmlns:mc="http://schemas.openxmlformats.org/markup-compatibility/2006" xmlns:a14="http://schemas.microsoft.com/office/drawing/2010/main">
+        <mc:Choice Requires="a14">
           <p:sp>
             <p:nvSpPr>
               <p:cNvPr id="48" name="テキスト ボックス 47">
@@ -16068,7 +16053,7 @@
                       <m:sSub>
                         <m:sSubPr>
                           <m:ctrlPr>
-                            <a:rPr kumimoji="1" lang="en-US" altLang="ja-JP" b="1" smtClean="0">
+                            <a:rPr kumimoji="1" lang="en-US" altLang="ja-JP" b="1" i="1" smtClean="0">
                               <a:solidFill>
                                 <a:schemeClr val="bg1"/>
                               </a:solidFill>
@@ -16107,7 +16092,7 @@
             </p:txBody>
           </p:sp>
         </mc:Choice>
-        <mc:Fallback>
+        <mc:Fallback xmlns="">
           <p:sp>
             <p:nvSpPr>
               <p:cNvPr id="48" name="テキスト ボックス 47">
@@ -16152,8 +16137,8 @@
           </p:sp>
         </mc:Fallback>
       </mc:AlternateContent>
-      <mc:AlternateContent xmlns:mc="http://schemas.openxmlformats.org/markup-compatibility/2006">
-        <mc:Choice xmlns:a14="http://schemas.microsoft.com/office/drawing/2010/main" Requires="a14">
+      <mc:AlternateContent xmlns:mc="http://schemas.openxmlformats.org/markup-compatibility/2006" xmlns:a14="http://schemas.microsoft.com/office/drawing/2010/main">
+        <mc:Choice Requires="a14">
           <p:sp>
             <p:nvSpPr>
               <p:cNvPr id="49" name="テキスト ボックス 48">
@@ -16192,7 +16177,7 @@
                       <m:sSub>
                         <m:sSubPr>
                           <m:ctrlPr>
-                            <a:rPr kumimoji="1" lang="en-US" altLang="ja-JP" b="1" smtClean="0">
+                            <a:rPr kumimoji="1" lang="en-US" altLang="ja-JP" b="1" i="1" smtClean="0">
                               <a:latin typeface="Cambria Math" panose="02040503050406030204" pitchFamily="18" charset="0"/>
                             </a:rPr>
                           </m:ctrlPr>
@@ -16222,7 +16207,7 @@
             </p:txBody>
           </p:sp>
         </mc:Choice>
-        <mc:Fallback>
+        <mc:Fallback xmlns="">
           <p:sp>
             <p:nvSpPr>
               <p:cNvPr id="49" name="テキスト ボックス 48">
@@ -16267,8 +16252,8 @@
           </p:sp>
         </mc:Fallback>
       </mc:AlternateContent>
-      <mc:AlternateContent xmlns:mc="http://schemas.openxmlformats.org/markup-compatibility/2006">
-        <mc:Choice xmlns:a14="http://schemas.microsoft.com/office/drawing/2010/main" Requires="a14">
+      <mc:AlternateContent xmlns:mc="http://schemas.openxmlformats.org/markup-compatibility/2006" xmlns:a14="http://schemas.microsoft.com/office/drawing/2010/main">
+        <mc:Choice Requires="a14">
           <p:sp>
             <p:nvSpPr>
               <p:cNvPr id="50" name="テキスト ボックス 49">
@@ -16307,7 +16292,7 @@
                       <m:sSub>
                         <m:sSubPr>
                           <m:ctrlPr>
-                            <a:rPr kumimoji="1" lang="en-US" altLang="ja-JP" b="1" smtClean="0">
+                            <a:rPr kumimoji="1" lang="en-US" altLang="ja-JP" b="1" i="1" smtClean="0">
                               <a:solidFill>
                                 <a:schemeClr val="bg1"/>
                               </a:solidFill>
@@ -16346,7 +16331,7 @@
             </p:txBody>
           </p:sp>
         </mc:Choice>
-        <mc:Fallback>
+        <mc:Fallback xmlns="">
           <p:sp>
             <p:nvSpPr>
               <p:cNvPr id="50" name="テキスト ボックス 49">
@@ -16391,8 +16376,8 @@
           </p:sp>
         </mc:Fallback>
       </mc:AlternateContent>
-      <mc:AlternateContent xmlns:mc="http://schemas.openxmlformats.org/markup-compatibility/2006">
-        <mc:Choice xmlns:a14="http://schemas.microsoft.com/office/drawing/2010/main" Requires="a14">
+      <mc:AlternateContent xmlns:mc="http://schemas.openxmlformats.org/markup-compatibility/2006" xmlns:a14="http://schemas.microsoft.com/office/drawing/2010/main">
+        <mc:Choice Requires="a14">
           <p:sp>
             <p:nvSpPr>
               <p:cNvPr id="51" name="テキスト ボックス 50">
@@ -16431,7 +16416,7 @@
                       <m:sSub>
                         <m:sSubPr>
                           <m:ctrlPr>
-                            <a:rPr kumimoji="1" lang="en-US" altLang="ja-JP" b="1" smtClean="0">
+                            <a:rPr kumimoji="1" lang="en-US" altLang="ja-JP" b="1" i="1" smtClean="0">
                               <a:latin typeface="Cambria Math" panose="02040503050406030204" pitchFamily="18" charset="0"/>
                             </a:rPr>
                           </m:ctrlPr>
@@ -16461,7 +16446,7 @@
             </p:txBody>
           </p:sp>
         </mc:Choice>
-        <mc:Fallback>
+        <mc:Fallback xmlns="">
           <p:sp>
             <p:nvSpPr>
               <p:cNvPr id="51" name="テキスト ボックス 50">
@@ -16506,8 +16491,8 @@
           </p:sp>
         </mc:Fallback>
       </mc:AlternateContent>
-      <mc:AlternateContent xmlns:mc="http://schemas.openxmlformats.org/markup-compatibility/2006">
-        <mc:Choice xmlns:a14="http://schemas.microsoft.com/office/drawing/2010/main" Requires="a14">
+      <mc:AlternateContent xmlns:mc="http://schemas.openxmlformats.org/markup-compatibility/2006" xmlns:a14="http://schemas.microsoft.com/office/drawing/2010/main">
+        <mc:Choice Requires="a14">
           <p:sp>
             <p:nvSpPr>
               <p:cNvPr id="52" name="テキスト ボックス 51">
@@ -16546,7 +16531,7 @@
                       <m:sSub>
                         <m:sSubPr>
                           <m:ctrlPr>
-                            <a:rPr kumimoji="1" lang="en-US" altLang="ja-JP" b="1" smtClean="0">
+                            <a:rPr kumimoji="1" lang="en-US" altLang="ja-JP" b="1" i="1" smtClean="0">
                               <a:latin typeface="Cambria Math" panose="02040503050406030204" pitchFamily="18" charset="0"/>
                             </a:rPr>
                           </m:ctrlPr>
@@ -16576,7 +16561,7 @@
             </p:txBody>
           </p:sp>
         </mc:Choice>
-        <mc:Fallback>
+        <mc:Fallback xmlns="">
           <p:sp>
             <p:nvSpPr>
               <p:cNvPr id="52" name="テキスト ボックス 51">
@@ -16621,8 +16606,8 @@
           </p:sp>
         </mc:Fallback>
       </mc:AlternateContent>
-      <mc:AlternateContent xmlns:mc="http://schemas.openxmlformats.org/markup-compatibility/2006">
-        <mc:Choice xmlns:a14="http://schemas.microsoft.com/office/drawing/2010/main" Requires="a14">
+      <mc:AlternateContent xmlns:mc="http://schemas.openxmlformats.org/markup-compatibility/2006" xmlns:a14="http://schemas.microsoft.com/office/drawing/2010/main">
+        <mc:Choice Requires="a14">
           <p:sp>
             <p:nvSpPr>
               <p:cNvPr id="53" name="テキスト ボックス 52">
@@ -16661,7 +16646,7 @@
                       <m:sSub>
                         <m:sSubPr>
                           <m:ctrlPr>
-                            <a:rPr kumimoji="1" lang="en-US" altLang="ja-JP" b="1" smtClean="0">
+                            <a:rPr kumimoji="1" lang="en-US" altLang="ja-JP" b="1" i="1" smtClean="0">
                               <a:latin typeface="Cambria Math" panose="02040503050406030204" pitchFamily="18" charset="0"/>
                             </a:rPr>
                           </m:ctrlPr>
@@ -16691,7 +16676,7 @@
             </p:txBody>
           </p:sp>
         </mc:Choice>
-        <mc:Fallback>
+        <mc:Fallback xmlns="">
           <p:sp>
             <p:nvSpPr>
               <p:cNvPr id="53" name="テキスト ボックス 52">
@@ -16736,8 +16721,8 @@
           </p:sp>
         </mc:Fallback>
       </mc:AlternateContent>
-      <mc:AlternateContent xmlns:mc="http://schemas.openxmlformats.org/markup-compatibility/2006">
-        <mc:Choice xmlns:a14="http://schemas.microsoft.com/office/drawing/2010/main" Requires="a14">
+      <mc:AlternateContent xmlns:mc="http://schemas.openxmlformats.org/markup-compatibility/2006" xmlns:a14="http://schemas.microsoft.com/office/drawing/2010/main">
+        <mc:Choice Requires="a14">
           <p:sp>
             <p:nvSpPr>
               <p:cNvPr id="54" name="テキスト ボックス 53">
@@ -16776,7 +16761,7 @@
                       <m:sSub>
                         <m:sSubPr>
                           <m:ctrlPr>
-                            <a:rPr kumimoji="1" lang="en-US" altLang="ja-JP" b="1" smtClean="0">
+                            <a:rPr kumimoji="1" lang="en-US" altLang="ja-JP" b="1" i="1" smtClean="0">
                               <a:solidFill>
                                 <a:schemeClr val="bg1"/>
                               </a:solidFill>
@@ -16815,7 +16800,7 @@
             </p:txBody>
           </p:sp>
         </mc:Choice>
-        <mc:Fallback>
+        <mc:Fallback xmlns="">
           <p:sp>
             <p:nvSpPr>
               <p:cNvPr id="54" name="テキスト ボックス 53">
@@ -18004,13 +17989,14 @@
           </p:cNvPr>
           <p:cNvCxnSpPr>
             <a:cxnSpLocks/>
+            <a:stCxn id="33" idx="1"/>
           </p:cNvCxnSpPr>
           <p:nvPr/>
         </p:nvCxnSpPr>
         <p:spPr>
-          <a:xfrm flipV="1">
-            <a:off x="2083324" y="2894947"/>
-            <a:ext cx="2329566" cy="309530"/>
+          <a:xfrm flipH="1">
+            <a:off x="4537563" y="2439961"/>
+            <a:ext cx="1074972" cy="399257"/>
           </a:xfrm>
           <a:prstGeom prst="line">
             <a:avLst/>
@@ -18050,7 +18036,7 @@
         </p:nvSpPr>
         <p:spPr>
           <a:xfrm>
-            <a:off x="882884" y="3019811"/>
+            <a:off x="5612535" y="2255295"/>
             <a:ext cx="1389501" cy="369332"/>
           </a:xfrm>
           <a:prstGeom prst="rect">
@@ -18448,8 +18434,8 @@
           </a:p>
         </p:txBody>
       </p:sp>
-      <mc:AlternateContent xmlns:mc="http://schemas.openxmlformats.org/markup-compatibility/2006">
-        <mc:Choice xmlns:a14="http://schemas.microsoft.com/office/drawing/2010/main" Requires="a14">
+      <mc:AlternateContent xmlns:mc="http://schemas.openxmlformats.org/markup-compatibility/2006" xmlns:a14="http://schemas.microsoft.com/office/drawing/2010/main">
+        <mc:Choice Requires="a14">
           <p:sp>
             <p:nvSpPr>
               <p:cNvPr id="46" name="正方形/長方形 45">
@@ -18482,7 +18468,7 @@
                     <m:sSub>
                       <m:sSubPr>
                         <m:ctrlPr>
-                          <a:rPr lang="en-US" altLang="ja-JP" b="1" smtClean="0">
+                          <a:rPr lang="en-US" altLang="ja-JP" b="1" i="1" smtClean="0">
                             <a:latin typeface="Cambria Math" panose="02040503050406030204" pitchFamily="18" charset="0"/>
                           </a:rPr>
                         </m:ctrlPr>
@@ -18515,7 +18501,7 @@
                     <m:sSub>
                       <m:sSubPr>
                         <m:ctrlPr>
-                          <a:rPr lang="en-US" altLang="ja-JP" b="1" dirty="0" smtClean="0">
+                          <a:rPr lang="en-US" altLang="ja-JP" b="1" i="1" dirty="0" smtClean="0">
                             <a:latin typeface="Cambria Math" panose="02040503050406030204" pitchFamily="18" charset="0"/>
                           </a:rPr>
                         </m:ctrlPr>
@@ -18548,7 +18534,7 @@
             </p:txBody>
           </p:sp>
         </mc:Choice>
-        <mc:Fallback>
+        <mc:Fallback xmlns="">
           <p:sp>
             <p:nvSpPr>
               <p:cNvPr id="46" name="正方形/長方形 45">
@@ -18593,8 +18579,8 @@
           </p:sp>
         </mc:Fallback>
       </mc:AlternateContent>
-      <mc:AlternateContent xmlns:mc="http://schemas.openxmlformats.org/markup-compatibility/2006">
-        <mc:Choice xmlns:a14="http://schemas.microsoft.com/office/drawing/2010/main" Requires="a14">
+      <mc:AlternateContent xmlns:mc="http://schemas.openxmlformats.org/markup-compatibility/2006" xmlns:a14="http://schemas.microsoft.com/office/drawing/2010/main">
+        <mc:Choice Requires="a14">
           <p:sp>
             <p:nvSpPr>
               <p:cNvPr id="47" name="正方形/長方形 46">
@@ -18632,7 +18618,7 @@
                       <m:sSub>
                         <m:sSubPr>
                           <m:ctrlPr>
-                            <a:rPr lang="en-US" altLang="ja-JP" b="1" smtClean="0">
+                            <a:rPr lang="en-US" altLang="ja-JP" b="1" i="1" smtClean="0">
                               <a:latin typeface="Cambria Math" panose="02040503050406030204" pitchFamily="18" charset="0"/>
                             </a:rPr>
                           </m:ctrlPr>
@@ -18662,7 +18648,7 @@
             </p:txBody>
           </p:sp>
         </mc:Choice>
-        <mc:Fallback>
+        <mc:Fallback xmlns="">
           <p:sp>
             <p:nvSpPr>
               <p:cNvPr id="47" name="正方形/長方形 46">
@@ -18707,8 +18693,8 @@
           </p:sp>
         </mc:Fallback>
       </mc:AlternateContent>
-      <mc:AlternateContent xmlns:mc="http://schemas.openxmlformats.org/markup-compatibility/2006">
-        <mc:Choice xmlns:a14="http://schemas.microsoft.com/office/drawing/2010/main" Requires="a14">
+      <mc:AlternateContent xmlns:mc="http://schemas.openxmlformats.org/markup-compatibility/2006" xmlns:a14="http://schemas.microsoft.com/office/drawing/2010/main">
+        <mc:Choice Requires="a14">
           <p:sp>
             <p:nvSpPr>
               <p:cNvPr id="48" name="テキスト ボックス 47">
@@ -18747,7 +18733,7 @@
                       <m:sSub>
                         <m:sSubPr>
                           <m:ctrlPr>
-                            <a:rPr kumimoji="1" lang="en-US" altLang="ja-JP" b="1" smtClean="0">
+                            <a:rPr kumimoji="1" lang="en-US" altLang="ja-JP" b="1" i="1" smtClean="0">
                               <a:solidFill>
                                 <a:schemeClr val="bg1"/>
                               </a:solidFill>
@@ -18786,7 +18772,7 @@
             </p:txBody>
           </p:sp>
         </mc:Choice>
-        <mc:Fallback>
+        <mc:Fallback xmlns="">
           <p:sp>
             <p:nvSpPr>
               <p:cNvPr id="48" name="テキスト ボックス 47">
@@ -18831,8 +18817,8 @@
           </p:sp>
         </mc:Fallback>
       </mc:AlternateContent>
-      <mc:AlternateContent xmlns:mc="http://schemas.openxmlformats.org/markup-compatibility/2006">
-        <mc:Choice xmlns:a14="http://schemas.microsoft.com/office/drawing/2010/main" Requires="a14">
+      <mc:AlternateContent xmlns:mc="http://schemas.openxmlformats.org/markup-compatibility/2006" xmlns:a14="http://schemas.microsoft.com/office/drawing/2010/main">
+        <mc:Choice Requires="a14">
           <p:sp>
             <p:nvSpPr>
               <p:cNvPr id="49" name="テキスト ボックス 48">
@@ -18871,7 +18857,7 @@
                       <m:sSub>
                         <m:sSubPr>
                           <m:ctrlPr>
-                            <a:rPr kumimoji="1" lang="en-US" altLang="ja-JP" b="1" smtClean="0">
+                            <a:rPr kumimoji="1" lang="en-US" altLang="ja-JP" b="1" i="1" smtClean="0">
                               <a:latin typeface="Cambria Math" panose="02040503050406030204" pitchFamily="18" charset="0"/>
                             </a:rPr>
                           </m:ctrlPr>
@@ -18901,7 +18887,7 @@
             </p:txBody>
           </p:sp>
         </mc:Choice>
-        <mc:Fallback>
+        <mc:Fallback xmlns="">
           <p:sp>
             <p:nvSpPr>
               <p:cNvPr id="49" name="テキスト ボックス 48">
@@ -18946,8 +18932,8 @@
           </p:sp>
         </mc:Fallback>
       </mc:AlternateContent>
-      <mc:AlternateContent xmlns:mc="http://schemas.openxmlformats.org/markup-compatibility/2006">
-        <mc:Choice xmlns:a14="http://schemas.microsoft.com/office/drawing/2010/main" Requires="a14">
+      <mc:AlternateContent xmlns:mc="http://schemas.openxmlformats.org/markup-compatibility/2006" xmlns:a14="http://schemas.microsoft.com/office/drawing/2010/main">
+        <mc:Choice Requires="a14">
           <p:sp>
             <p:nvSpPr>
               <p:cNvPr id="50" name="テキスト ボックス 49">
@@ -18986,7 +18972,7 @@
                       <m:sSub>
                         <m:sSubPr>
                           <m:ctrlPr>
-                            <a:rPr kumimoji="1" lang="en-US" altLang="ja-JP" b="1" smtClean="0">
+                            <a:rPr kumimoji="1" lang="en-US" altLang="ja-JP" b="1" i="1" smtClean="0">
                               <a:solidFill>
                                 <a:schemeClr val="bg1"/>
                               </a:solidFill>
@@ -19025,7 +19011,7 @@
             </p:txBody>
           </p:sp>
         </mc:Choice>
-        <mc:Fallback>
+        <mc:Fallback xmlns="">
           <p:sp>
             <p:nvSpPr>
               <p:cNvPr id="50" name="テキスト ボックス 49">
@@ -19070,8 +19056,8 @@
           </p:sp>
         </mc:Fallback>
       </mc:AlternateContent>
-      <mc:AlternateContent xmlns:mc="http://schemas.openxmlformats.org/markup-compatibility/2006">
-        <mc:Choice xmlns:a14="http://schemas.microsoft.com/office/drawing/2010/main" Requires="a14">
+      <mc:AlternateContent xmlns:mc="http://schemas.openxmlformats.org/markup-compatibility/2006" xmlns:a14="http://schemas.microsoft.com/office/drawing/2010/main">
+        <mc:Choice Requires="a14">
           <p:sp>
             <p:nvSpPr>
               <p:cNvPr id="51" name="テキスト ボックス 50">
@@ -19110,7 +19096,7 @@
                       <m:sSub>
                         <m:sSubPr>
                           <m:ctrlPr>
-                            <a:rPr kumimoji="1" lang="en-US" altLang="ja-JP" b="1" smtClean="0">
+                            <a:rPr kumimoji="1" lang="en-US" altLang="ja-JP" b="1" i="1" smtClean="0">
                               <a:latin typeface="Cambria Math" panose="02040503050406030204" pitchFamily="18" charset="0"/>
                             </a:rPr>
                           </m:ctrlPr>
@@ -19140,7 +19126,7 @@
             </p:txBody>
           </p:sp>
         </mc:Choice>
-        <mc:Fallback>
+        <mc:Fallback xmlns="">
           <p:sp>
             <p:nvSpPr>
               <p:cNvPr id="51" name="テキスト ボックス 50">
@@ -19185,8 +19171,8 @@
           </p:sp>
         </mc:Fallback>
       </mc:AlternateContent>
-      <mc:AlternateContent xmlns:mc="http://schemas.openxmlformats.org/markup-compatibility/2006">
-        <mc:Choice xmlns:a14="http://schemas.microsoft.com/office/drawing/2010/main" Requires="a14">
+      <mc:AlternateContent xmlns:mc="http://schemas.openxmlformats.org/markup-compatibility/2006" xmlns:a14="http://schemas.microsoft.com/office/drawing/2010/main">
+        <mc:Choice Requires="a14">
           <p:sp>
             <p:nvSpPr>
               <p:cNvPr id="54" name="テキスト ボックス 53">
@@ -19225,7 +19211,7 @@
                       <m:sSub>
                         <m:sSubPr>
                           <m:ctrlPr>
-                            <a:rPr kumimoji="1" lang="en-US" altLang="ja-JP" b="1" smtClean="0">
+                            <a:rPr kumimoji="1" lang="en-US" altLang="ja-JP" b="1" i="1" smtClean="0">
                               <a:latin typeface="Cambria Math" panose="02040503050406030204" pitchFamily="18" charset="0"/>
                             </a:rPr>
                           </m:ctrlPr>
@@ -19255,7 +19241,7 @@
             </p:txBody>
           </p:sp>
         </mc:Choice>
-        <mc:Fallback>
+        <mc:Fallback xmlns="">
           <p:sp>
             <p:nvSpPr>
               <p:cNvPr id="54" name="テキスト ボックス 53">
@@ -19300,8 +19286,8 @@
           </p:sp>
         </mc:Fallback>
       </mc:AlternateContent>
-      <mc:AlternateContent xmlns:mc="http://schemas.openxmlformats.org/markup-compatibility/2006">
-        <mc:Choice xmlns:a14="http://schemas.microsoft.com/office/drawing/2010/main" Requires="a14">
+      <mc:AlternateContent xmlns:mc="http://schemas.openxmlformats.org/markup-compatibility/2006" xmlns:a14="http://schemas.microsoft.com/office/drawing/2010/main">
+        <mc:Choice Requires="a14">
           <p:sp>
             <p:nvSpPr>
               <p:cNvPr id="55" name="テキスト ボックス 54">
@@ -19340,7 +19326,7 @@
                       <m:sSub>
                         <m:sSubPr>
                           <m:ctrlPr>
-                            <a:rPr kumimoji="1" lang="en-US" altLang="ja-JP" b="1" smtClean="0">
+                            <a:rPr kumimoji="1" lang="en-US" altLang="ja-JP" b="1" i="1" smtClean="0">
                               <a:latin typeface="Cambria Math" panose="02040503050406030204" pitchFamily="18" charset="0"/>
                             </a:rPr>
                           </m:ctrlPr>
@@ -19370,7 +19356,7 @@
             </p:txBody>
           </p:sp>
         </mc:Choice>
-        <mc:Fallback>
+        <mc:Fallback xmlns="">
           <p:sp>
             <p:nvSpPr>
               <p:cNvPr id="55" name="テキスト ボックス 54">
@@ -19415,8 +19401,8 @@
           </p:sp>
         </mc:Fallback>
       </mc:AlternateContent>
-      <mc:AlternateContent xmlns:mc="http://schemas.openxmlformats.org/markup-compatibility/2006">
-        <mc:Choice xmlns:a14="http://schemas.microsoft.com/office/drawing/2010/main" Requires="a14">
+      <mc:AlternateContent xmlns:mc="http://schemas.openxmlformats.org/markup-compatibility/2006" xmlns:a14="http://schemas.microsoft.com/office/drawing/2010/main">
+        <mc:Choice Requires="a14">
           <p:sp>
             <p:nvSpPr>
               <p:cNvPr id="56" name="テキスト ボックス 55">
@@ -19455,7 +19441,7 @@
                       <m:sSub>
                         <m:sSubPr>
                           <m:ctrlPr>
-                            <a:rPr kumimoji="1" lang="en-US" altLang="ja-JP" b="1" smtClean="0">
+                            <a:rPr kumimoji="1" lang="en-US" altLang="ja-JP" b="1" i="1" smtClean="0">
                               <a:solidFill>
                                 <a:schemeClr val="tx1"/>
                               </a:solidFill>
@@ -19494,7 +19480,7 @@
             </p:txBody>
           </p:sp>
         </mc:Choice>
-        <mc:Fallback>
+        <mc:Fallback xmlns="">
           <p:sp>
             <p:nvSpPr>
               <p:cNvPr id="56" name="テキスト ボックス 55">
@@ -20257,8 +20243,8 @@
           </a:p>
         </p:txBody>
       </p:sp>
-      <mc:AlternateContent xmlns:mc="http://schemas.openxmlformats.org/markup-compatibility/2006">
-        <mc:Choice xmlns:a14="http://schemas.microsoft.com/office/drawing/2010/main" Requires="a14">
+      <mc:AlternateContent xmlns:mc="http://schemas.openxmlformats.org/markup-compatibility/2006" xmlns:a14="http://schemas.microsoft.com/office/drawing/2010/main">
+        <mc:Choice Requires="a14">
           <p:sp>
             <p:nvSpPr>
               <p:cNvPr id="19" name="正方形/長方形 18">
@@ -20296,7 +20282,7 @@
                       <m:sSub>
                         <m:sSubPr>
                           <m:ctrlPr>
-                            <a:rPr lang="en-US" altLang="ja-JP" b="1" smtClean="0">
+                            <a:rPr lang="en-US" altLang="ja-JP" b="1" i="1" smtClean="0">
                               <a:latin typeface="Cambria Math" panose="02040503050406030204" pitchFamily="18" charset="0"/>
                             </a:rPr>
                           </m:ctrlPr>
@@ -20326,7 +20312,7 @@
             </p:txBody>
           </p:sp>
         </mc:Choice>
-        <mc:Fallback>
+        <mc:Fallback xmlns="">
           <p:sp>
             <p:nvSpPr>
               <p:cNvPr id="19" name="正方形/長方形 18">
@@ -20717,8 +20703,8 @@
           </a:p>
         </p:txBody>
       </p:sp>
-      <mc:AlternateContent xmlns:mc="http://schemas.openxmlformats.org/markup-compatibility/2006">
-        <mc:Choice xmlns:a14="http://schemas.microsoft.com/office/drawing/2010/main" Requires="a14">
+      <mc:AlternateContent xmlns:mc="http://schemas.openxmlformats.org/markup-compatibility/2006" xmlns:a14="http://schemas.microsoft.com/office/drawing/2010/main">
+        <mc:Choice Requires="a14">
           <p:sp>
             <p:nvSpPr>
               <p:cNvPr id="27" name="テキスト ボックス 26">
@@ -20757,7 +20743,7 @@
                       <m:sSub>
                         <m:sSubPr>
                           <m:ctrlPr>
-                            <a:rPr kumimoji="1" lang="en-US" altLang="ja-JP" b="1" smtClean="0">
+                            <a:rPr kumimoji="1" lang="en-US" altLang="ja-JP" b="1" i="1" smtClean="0">
                               <a:latin typeface="Cambria Math" panose="02040503050406030204" pitchFamily="18" charset="0"/>
                             </a:rPr>
                           </m:ctrlPr>
@@ -20787,7 +20773,7 @@
             </p:txBody>
           </p:sp>
         </mc:Choice>
-        <mc:Fallback>
+        <mc:Fallback xmlns="">
           <p:sp>
             <p:nvSpPr>
               <p:cNvPr id="27" name="テキスト ボックス 26">
@@ -20832,8 +20818,8 @@
           </p:sp>
         </mc:Fallback>
       </mc:AlternateContent>
-      <mc:AlternateContent xmlns:mc="http://schemas.openxmlformats.org/markup-compatibility/2006">
-        <mc:Choice xmlns:a14="http://schemas.microsoft.com/office/drawing/2010/main" Requires="a14">
+      <mc:AlternateContent xmlns:mc="http://schemas.openxmlformats.org/markup-compatibility/2006" xmlns:a14="http://schemas.microsoft.com/office/drawing/2010/main">
+        <mc:Choice Requires="a14">
           <p:sp>
             <p:nvSpPr>
               <p:cNvPr id="28" name="テキスト ボックス 27">
@@ -20872,7 +20858,7 @@
                       <m:sSub>
                         <m:sSubPr>
                           <m:ctrlPr>
-                            <a:rPr kumimoji="1" lang="en-US" altLang="ja-JP" b="1" smtClean="0">
+                            <a:rPr kumimoji="1" lang="en-US" altLang="ja-JP" b="1" i="1" smtClean="0">
                               <a:solidFill>
                                 <a:schemeClr val="bg1"/>
                               </a:solidFill>
@@ -20911,7 +20897,7 @@
             </p:txBody>
           </p:sp>
         </mc:Choice>
-        <mc:Fallback>
+        <mc:Fallback xmlns="">
           <p:sp>
             <p:nvSpPr>
               <p:cNvPr id="28" name="テキスト ボックス 27">
@@ -20956,8 +20942,8 @@
           </p:sp>
         </mc:Fallback>
       </mc:AlternateContent>
-      <mc:AlternateContent xmlns:mc="http://schemas.openxmlformats.org/markup-compatibility/2006">
-        <mc:Choice xmlns:a14="http://schemas.microsoft.com/office/drawing/2010/main" Requires="a14">
+      <mc:AlternateContent xmlns:mc="http://schemas.openxmlformats.org/markup-compatibility/2006" xmlns:a14="http://schemas.microsoft.com/office/drawing/2010/main">
+        <mc:Choice Requires="a14">
           <p:sp>
             <p:nvSpPr>
               <p:cNvPr id="29" name="正方形/長方形 28">
@@ -20990,7 +20976,7 @@
                     <m:sSub>
                       <m:sSubPr>
                         <m:ctrlPr>
-                          <a:rPr lang="en-US" altLang="ja-JP" b="1" smtClean="0">
+                          <a:rPr lang="en-US" altLang="ja-JP" b="1" i="1" smtClean="0">
                             <a:latin typeface="Cambria Math" panose="02040503050406030204" pitchFamily="18" charset="0"/>
                           </a:rPr>
                         </m:ctrlPr>
@@ -21023,7 +21009,7 @@
                     <m:sSub>
                       <m:sSubPr>
                         <m:ctrlPr>
-                          <a:rPr lang="en-US" altLang="ja-JP" b="1" dirty="0" smtClean="0">
+                          <a:rPr lang="en-US" altLang="ja-JP" b="1" i="1" dirty="0" smtClean="0">
                             <a:latin typeface="Cambria Math" panose="02040503050406030204" pitchFamily="18" charset="0"/>
                           </a:rPr>
                         </m:ctrlPr>
@@ -21056,7 +21042,7 @@
             </p:txBody>
           </p:sp>
         </mc:Choice>
-        <mc:Fallback>
+        <mc:Fallback xmlns="">
           <p:sp>
             <p:nvSpPr>
               <p:cNvPr id="29" name="正方形/長方形 28">
@@ -21155,8 +21141,8 @@
           </a:p>
         </p:txBody>
       </p:sp>
-      <mc:AlternateContent xmlns:mc="http://schemas.openxmlformats.org/markup-compatibility/2006">
-        <mc:Choice xmlns:a14="http://schemas.microsoft.com/office/drawing/2010/main" Requires="a14">
+      <mc:AlternateContent xmlns:mc="http://schemas.openxmlformats.org/markup-compatibility/2006" xmlns:a14="http://schemas.microsoft.com/office/drawing/2010/main">
+        <mc:Choice Requires="a14">
           <p:sp>
             <p:nvSpPr>
               <p:cNvPr id="31" name="テキスト ボックス 30">
@@ -21195,7 +21181,7 @@
                       <m:sSub>
                         <m:sSubPr>
                           <m:ctrlPr>
-                            <a:rPr kumimoji="1" lang="en-US" altLang="ja-JP" b="1" smtClean="0">
+                            <a:rPr kumimoji="1" lang="en-US" altLang="ja-JP" b="1" i="1" smtClean="0">
                               <a:solidFill>
                                 <a:schemeClr val="bg1"/>
                               </a:solidFill>
@@ -21234,7 +21220,7 @@
             </p:txBody>
           </p:sp>
         </mc:Choice>
-        <mc:Fallback>
+        <mc:Fallback xmlns="">
           <p:sp>
             <p:nvSpPr>
               <p:cNvPr id="31" name="テキスト ボックス 30">
@@ -21405,8 +21391,8 @@
         </p:nvCxnSpPr>
         <p:spPr>
           <a:xfrm flipV="1">
-            <a:off x="4737927" y="1618206"/>
-            <a:ext cx="37084" cy="1605156"/>
+            <a:off x="4737927" y="1790754"/>
+            <a:ext cx="83502" cy="1432608"/>
           </a:xfrm>
           <a:prstGeom prst="line">
             <a:avLst/>
@@ -21443,13 +21429,14 @@
           </p:cNvPr>
           <p:cNvCxnSpPr>
             <a:cxnSpLocks/>
+            <a:stCxn id="50" idx="0"/>
           </p:cNvCxnSpPr>
           <p:nvPr/>
         </p:nvCxnSpPr>
         <p:spPr>
           <a:xfrm flipV="1">
-            <a:off x="3550349" y="5461443"/>
-            <a:ext cx="1013362" cy="302955"/>
+            <a:off x="4404635" y="5461444"/>
+            <a:ext cx="159076" cy="355800"/>
           </a:xfrm>
           <a:prstGeom prst="line">
             <a:avLst/>
@@ -21475,8 +21462,8 @@
           </a:fontRef>
         </p:style>
       </p:cxnSp>
-      <mc:AlternateContent xmlns:mc="http://schemas.openxmlformats.org/markup-compatibility/2006" xmlns:a14="http://schemas.microsoft.com/office/drawing/2010/main">
-        <mc:Choice Requires="a14">
+      <mc:AlternateContent xmlns:mc="http://schemas.openxmlformats.org/markup-compatibility/2006">
+        <mc:Choice xmlns:a14="http://schemas.microsoft.com/office/drawing/2010/main" Requires="a14">
           <p:sp>
             <p:nvSpPr>
               <p:cNvPr id="35" name="テキスト ボックス 34">
@@ -21491,7 +21478,7 @@
             </p:nvSpPr>
             <p:spPr>
               <a:xfrm>
-                <a:off x="2381970" y="1003496"/>
+                <a:off x="2386431" y="1203100"/>
                 <a:ext cx="4602013" cy="615553"/>
               </a:xfrm>
               <a:prstGeom prst="rect">
@@ -21519,7 +21506,7 @@
                     <m:sSub>
                       <m:sSubPr>
                         <m:ctrlPr>
-                          <a:rPr kumimoji="1" lang="en-US" altLang="ja-JP" i="1" smtClean="0">
+                          <a:rPr kumimoji="1" lang="en-US" altLang="ja-JP" b="1" smtClean="0">
                             <a:solidFill>
                               <a:srgbClr val="7030A0"/>
                             </a:solidFill>
@@ -21529,30 +21516,30 @@
                       </m:sSubPr>
                       <m:e>
                         <m:r>
-                          <a:rPr kumimoji="1" lang="en-US" altLang="ja-JP" b="0" i="1" smtClean="0">
+                          <a:rPr kumimoji="1" lang="en-US" altLang="ja-JP" b="1" i="0" smtClean="0">
                             <a:solidFill>
                               <a:srgbClr val="7030A0"/>
                             </a:solidFill>
                             <a:latin typeface="Cambria Math" panose="02040503050406030204" pitchFamily="18" charset="0"/>
                           </a:rPr>
-                          <m:t>𝑝</m:t>
+                          <m:t>𝐩</m:t>
                         </m:r>
                       </m:e>
                       <m:sub>
                         <m:r>
-                          <a:rPr kumimoji="1" lang="en-US" altLang="ja-JP" b="0" i="1" smtClean="0">
+                          <a:rPr kumimoji="1" lang="en-US" altLang="ja-JP" b="1" i="0" smtClean="0">
                             <a:solidFill>
                               <a:srgbClr val="7030A0"/>
                             </a:solidFill>
                             <a:latin typeface="Cambria Math" panose="02040503050406030204" pitchFamily="18" charset="0"/>
                           </a:rPr>
-                          <m:t>8</m:t>
+                          <m:t>𝟖</m:t>
                         </m:r>
                       </m:sub>
                     </m:sSub>
                   </m:oMath>
                 </a14:m>
-                <a:endParaRPr lang="en-US" altLang="ja-JP" sz="1600" i="1" dirty="0">
+                <a:endParaRPr lang="en-US" altLang="ja-JP" sz="1600" b="1" dirty="0">
                   <a:solidFill>
                     <a:srgbClr val="7030A0"/>
                   </a:solidFill>
@@ -21589,7 +21576,7 @@
             </p:txBody>
           </p:sp>
         </mc:Choice>
-        <mc:Fallback xmlns="">
+        <mc:Fallback>
           <p:sp>
             <p:nvSpPr>
               <p:cNvPr id="35" name="テキスト ボックス 34">
@@ -21606,7 +21593,7 @@
             </p:nvSpPr>
             <p:spPr>
               <a:xfrm>
-                <a:off x="2381970" y="1003496"/>
+                <a:off x="2386431" y="1203100"/>
                 <a:ext cx="4602013" cy="615553"/>
               </a:xfrm>
               <a:prstGeom prst="rect">
@@ -21615,7 +21602,7 @@
               <a:blipFill>
                 <a:blip r:embed="rId7"/>
                 <a:stretch>
-                  <a:fillRect t="-4950" b="-12871"/>
+                  <a:fillRect t="-3960" b="-12871"/>
                 </a:stretch>
               </a:blipFill>
             </p:spPr>
@@ -21874,8 +21861,8 @@
           </a:p>
         </p:txBody>
       </p:sp>
-      <mc:AlternateContent xmlns:mc="http://schemas.openxmlformats.org/markup-compatibility/2006">
-        <mc:Choice xmlns:a14="http://schemas.microsoft.com/office/drawing/2010/main" Requires="a14">
+      <mc:AlternateContent xmlns:mc="http://schemas.openxmlformats.org/markup-compatibility/2006" xmlns:a14="http://schemas.microsoft.com/office/drawing/2010/main">
+        <mc:Choice Requires="a14">
           <p:sp>
             <p:nvSpPr>
               <p:cNvPr id="41" name="テキスト ボックス 40">
@@ -21914,7 +21901,7 @@
                       <m:sSub>
                         <m:sSubPr>
                           <m:ctrlPr>
-                            <a:rPr kumimoji="1" lang="en-US" altLang="ja-JP" b="1" smtClean="0">
+                            <a:rPr kumimoji="1" lang="en-US" altLang="ja-JP" b="1" i="1" smtClean="0">
                               <a:latin typeface="Cambria Math" panose="02040503050406030204" pitchFamily="18" charset="0"/>
                             </a:rPr>
                           </m:ctrlPr>
@@ -21944,7 +21931,7 @@
             </p:txBody>
           </p:sp>
         </mc:Choice>
-        <mc:Fallback>
+        <mc:Fallback xmlns="">
           <p:sp>
             <p:nvSpPr>
               <p:cNvPr id="41" name="テキスト ボックス 40">
@@ -21989,8 +21976,8 @@
           </p:sp>
         </mc:Fallback>
       </mc:AlternateContent>
-      <mc:AlternateContent xmlns:mc="http://schemas.openxmlformats.org/markup-compatibility/2006">
-        <mc:Choice xmlns:a14="http://schemas.microsoft.com/office/drawing/2010/main" Requires="a14">
+      <mc:AlternateContent xmlns:mc="http://schemas.openxmlformats.org/markup-compatibility/2006" xmlns:a14="http://schemas.microsoft.com/office/drawing/2010/main">
+        <mc:Choice Requires="a14">
           <p:sp>
             <p:nvSpPr>
               <p:cNvPr id="42" name="テキスト ボックス 41">
@@ -22029,7 +22016,7 @@
                       <m:sSub>
                         <m:sSubPr>
                           <m:ctrlPr>
-                            <a:rPr kumimoji="1" lang="en-US" altLang="ja-JP" b="1" smtClean="0">
+                            <a:rPr kumimoji="1" lang="en-US" altLang="ja-JP" b="1" i="1" smtClean="0">
                               <a:latin typeface="Cambria Math" panose="02040503050406030204" pitchFamily="18" charset="0"/>
                             </a:rPr>
                           </m:ctrlPr>
@@ -22059,7 +22046,7 @@
             </p:txBody>
           </p:sp>
         </mc:Choice>
-        <mc:Fallback>
+        <mc:Fallback xmlns="">
           <p:sp>
             <p:nvSpPr>
               <p:cNvPr id="42" name="テキスト ボックス 41">
@@ -22212,8 +22199,8 @@
           </a:p>
         </p:txBody>
       </p:sp>
-      <mc:AlternateContent xmlns:mc="http://schemas.openxmlformats.org/markup-compatibility/2006">
-        <mc:Choice xmlns:a14="http://schemas.microsoft.com/office/drawing/2010/main" Requires="a14">
+      <mc:AlternateContent xmlns:mc="http://schemas.openxmlformats.org/markup-compatibility/2006" xmlns:a14="http://schemas.microsoft.com/office/drawing/2010/main">
+        <mc:Choice Requires="a14">
           <p:sp>
             <p:nvSpPr>
               <p:cNvPr id="45" name="テキスト ボックス 44">
@@ -22252,7 +22239,7 @@
                       <m:sSub>
                         <m:sSubPr>
                           <m:ctrlPr>
-                            <a:rPr kumimoji="1" lang="en-US" altLang="ja-JP" b="1" smtClean="0">
+                            <a:rPr kumimoji="1" lang="en-US" altLang="ja-JP" b="1" i="1" smtClean="0">
                               <a:latin typeface="Cambria Math" panose="02040503050406030204" pitchFamily="18" charset="0"/>
                             </a:rPr>
                           </m:ctrlPr>
@@ -22282,7 +22269,7 @@
             </p:txBody>
           </p:sp>
         </mc:Choice>
-        <mc:Fallback>
+        <mc:Fallback xmlns="">
           <p:sp>
             <p:nvSpPr>
               <p:cNvPr id="45" name="テキスト ボックス 44">
@@ -22327,8 +22314,8 @@
           </p:sp>
         </mc:Fallback>
       </mc:AlternateContent>
-      <mc:AlternateContent xmlns:mc="http://schemas.openxmlformats.org/markup-compatibility/2006">
-        <mc:Choice xmlns:a14="http://schemas.microsoft.com/office/drawing/2010/main" Requires="a14">
+      <mc:AlternateContent xmlns:mc="http://schemas.openxmlformats.org/markup-compatibility/2006" xmlns:a14="http://schemas.microsoft.com/office/drawing/2010/main">
+        <mc:Choice Requires="a14">
           <p:sp>
             <p:nvSpPr>
               <p:cNvPr id="46" name="テキスト ボックス 45">
@@ -22367,7 +22354,7 @@
                       <m:sSub>
                         <m:sSubPr>
                           <m:ctrlPr>
-                            <a:rPr kumimoji="1" lang="en-US" altLang="ja-JP" b="1" smtClean="0">
+                            <a:rPr kumimoji="1" lang="en-US" altLang="ja-JP" b="1" i="1" smtClean="0">
                               <a:latin typeface="Cambria Math" panose="02040503050406030204" pitchFamily="18" charset="0"/>
                             </a:rPr>
                           </m:ctrlPr>
@@ -22397,7 +22384,7 @@
             </p:txBody>
           </p:sp>
         </mc:Choice>
-        <mc:Fallback>
+        <mc:Fallback xmlns="">
           <p:sp>
             <p:nvSpPr>
               <p:cNvPr id="46" name="テキスト ボックス 45">
@@ -22634,8 +22621,8 @@
           </a:p>
         </p:txBody>
       </p:sp>
-      <mc:AlternateContent xmlns:mc="http://schemas.openxmlformats.org/markup-compatibility/2006" xmlns:a14="http://schemas.microsoft.com/office/drawing/2010/main">
-        <mc:Choice Requires="a14">
+      <mc:AlternateContent xmlns:mc="http://schemas.openxmlformats.org/markup-compatibility/2006">
+        <mc:Choice xmlns:a14="http://schemas.microsoft.com/office/drawing/2010/main" Requires="a14">
           <p:sp>
             <p:nvSpPr>
               <p:cNvPr id="50" name="テキスト ボックス 49">
@@ -22650,7 +22637,7 @@
             </p:nvSpPr>
             <p:spPr>
               <a:xfrm>
-                <a:off x="1422738" y="5827987"/>
+                <a:off x="2541838" y="5817244"/>
                 <a:ext cx="3725594" cy="615553"/>
               </a:xfrm>
               <a:prstGeom prst="rect">
@@ -22678,7 +22665,7 @@
                     <m:sSub>
                       <m:sSubPr>
                         <m:ctrlPr>
-                          <a:rPr kumimoji="1" lang="en-US" altLang="ja-JP" i="1" smtClean="0">
+                          <a:rPr kumimoji="1" lang="en-US" altLang="ja-JP" b="1" smtClean="0">
                             <a:solidFill>
                               <a:srgbClr val="C00000"/>
                             </a:solidFill>
@@ -22688,30 +22675,30 @@
                       </m:sSubPr>
                       <m:e>
                         <m:r>
-                          <a:rPr kumimoji="1" lang="en-US" altLang="ja-JP" b="0" i="1" smtClean="0">
+                          <a:rPr kumimoji="1" lang="en-US" altLang="ja-JP" b="1" i="0" smtClean="0">
                             <a:solidFill>
                               <a:srgbClr val="C00000"/>
                             </a:solidFill>
                             <a:latin typeface="Cambria Math" panose="02040503050406030204" pitchFamily="18" charset="0"/>
                           </a:rPr>
-                          <m:t>𝑝</m:t>
+                          <m:t>𝐩</m:t>
                         </m:r>
                       </m:e>
                       <m:sub>
                         <m:r>
-                          <a:rPr kumimoji="1" lang="en-US" altLang="ja-JP" b="0" i="1" smtClean="0">
+                          <a:rPr kumimoji="1" lang="en-US" altLang="ja-JP" b="1" i="0" smtClean="0">
                             <a:solidFill>
                               <a:srgbClr val="C00000"/>
                             </a:solidFill>
                             <a:latin typeface="Cambria Math" panose="02040503050406030204" pitchFamily="18" charset="0"/>
                           </a:rPr>
-                          <m:t>6</m:t>
+                          <m:t>𝟔</m:t>
                         </m:r>
                       </m:sub>
                     </m:sSub>
                   </m:oMath>
                 </a14:m>
-                <a:endParaRPr lang="en-US" altLang="ja-JP" sz="1600" i="1" dirty="0">
+                <a:endParaRPr lang="en-US" altLang="ja-JP" sz="1600" b="1" dirty="0">
                   <a:solidFill>
                     <a:srgbClr val="C00000"/>
                   </a:solidFill>
@@ -22780,7 +22767,7 @@
             </p:txBody>
           </p:sp>
         </mc:Choice>
-        <mc:Fallback xmlns="">
+        <mc:Fallback>
           <p:sp>
             <p:nvSpPr>
               <p:cNvPr id="50" name="テキスト ボックス 49">
@@ -22797,7 +22784,7 @@
             </p:nvSpPr>
             <p:spPr>
               <a:xfrm>
-                <a:off x="1422738" y="5827987"/>
+                <a:off x="2541838" y="5817244"/>
                 <a:ext cx="3725594" cy="615553"/>
               </a:xfrm>
               <a:prstGeom prst="rect">
@@ -23967,13 +23954,15 @@
               </a:ext>
             </a:extLst>
           </p:cNvPr>
-          <p:cNvCxnSpPr/>
+          <p:cNvCxnSpPr>
+            <a:cxnSpLocks/>
+          </p:cNvCxnSpPr>
           <p:nvPr/>
         </p:nvCxnSpPr>
         <p:spPr>
-          <a:xfrm flipV="1">
-            <a:off x="2083324" y="2894947"/>
-            <a:ext cx="2329566" cy="309530"/>
+          <a:xfrm flipH="1">
+            <a:off x="4412890" y="1668544"/>
+            <a:ext cx="435498" cy="1226403"/>
           </a:xfrm>
           <a:prstGeom prst="line">
             <a:avLst/>
@@ -24013,7 +24002,7 @@
         </p:nvSpPr>
         <p:spPr>
           <a:xfrm>
-            <a:off x="882884" y="3019811"/>
+            <a:off x="4282284" y="1275108"/>
             <a:ext cx="1389501" cy="369332"/>
           </a:xfrm>
           <a:prstGeom prst="rect">
@@ -24669,8 +24658,8 @@
           </a:p>
         </p:txBody>
       </p:sp>
-      <mc:AlternateContent xmlns:mc="http://schemas.openxmlformats.org/markup-compatibility/2006">
-        <mc:Choice xmlns:a14="http://schemas.microsoft.com/office/drawing/2010/main" Requires="a14">
+      <mc:AlternateContent xmlns:mc="http://schemas.openxmlformats.org/markup-compatibility/2006" xmlns:a14="http://schemas.microsoft.com/office/drawing/2010/main">
+        <mc:Choice Requires="a14">
           <p:sp>
             <p:nvSpPr>
               <p:cNvPr id="52" name="正方形/長方形 51">
@@ -24703,7 +24692,7 @@
                     <m:sSub>
                       <m:sSubPr>
                         <m:ctrlPr>
-                          <a:rPr lang="en-US" altLang="ja-JP" b="1" smtClean="0">
+                          <a:rPr lang="en-US" altLang="ja-JP" b="1" i="1" smtClean="0">
                             <a:latin typeface="Cambria Math" panose="02040503050406030204" pitchFamily="18" charset="0"/>
                           </a:rPr>
                         </m:ctrlPr>
@@ -24736,7 +24725,7 @@
                     <m:sSub>
                       <m:sSubPr>
                         <m:ctrlPr>
-                          <a:rPr lang="en-US" altLang="ja-JP" b="1" dirty="0" smtClean="0">
+                          <a:rPr lang="en-US" altLang="ja-JP" b="1" i="1" dirty="0" smtClean="0">
                             <a:latin typeface="Cambria Math" panose="02040503050406030204" pitchFamily="18" charset="0"/>
                           </a:rPr>
                         </m:ctrlPr>
@@ -24769,7 +24758,7 @@
             </p:txBody>
           </p:sp>
         </mc:Choice>
-        <mc:Fallback>
+        <mc:Fallback xmlns="">
           <p:sp>
             <p:nvSpPr>
               <p:cNvPr id="52" name="正方形/長方形 51">
@@ -24814,8 +24803,8 @@
           </p:sp>
         </mc:Fallback>
       </mc:AlternateContent>
-      <mc:AlternateContent xmlns:mc="http://schemas.openxmlformats.org/markup-compatibility/2006">
-        <mc:Choice xmlns:a14="http://schemas.microsoft.com/office/drawing/2010/main" Requires="a14">
+      <mc:AlternateContent xmlns:mc="http://schemas.openxmlformats.org/markup-compatibility/2006" xmlns:a14="http://schemas.microsoft.com/office/drawing/2010/main">
+        <mc:Choice Requires="a14">
           <p:sp>
             <p:nvSpPr>
               <p:cNvPr id="53" name="正方形/長方形 52">
@@ -24853,7 +24842,7 @@
                       <m:sSub>
                         <m:sSubPr>
                           <m:ctrlPr>
-                            <a:rPr lang="en-US" altLang="ja-JP" b="1" smtClean="0">
+                            <a:rPr lang="en-US" altLang="ja-JP" b="1" i="1" smtClean="0">
                               <a:latin typeface="Cambria Math" panose="02040503050406030204" pitchFamily="18" charset="0"/>
                             </a:rPr>
                           </m:ctrlPr>
@@ -24883,7 +24872,7 @@
             </p:txBody>
           </p:sp>
         </mc:Choice>
-        <mc:Fallback>
+        <mc:Fallback xmlns="">
           <p:sp>
             <p:nvSpPr>
               <p:cNvPr id="53" name="正方形/長方形 52">
@@ -24928,8 +24917,8 @@
           </p:sp>
         </mc:Fallback>
       </mc:AlternateContent>
-      <mc:AlternateContent xmlns:mc="http://schemas.openxmlformats.org/markup-compatibility/2006">
-        <mc:Choice xmlns:a14="http://schemas.microsoft.com/office/drawing/2010/main" Requires="a14">
+      <mc:AlternateContent xmlns:mc="http://schemas.openxmlformats.org/markup-compatibility/2006" xmlns:a14="http://schemas.microsoft.com/office/drawing/2010/main">
+        <mc:Choice Requires="a14">
           <p:sp>
             <p:nvSpPr>
               <p:cNvPr id="54" name="テキスト ボックス 53">
@@ -24968,7 +24957,7 @@
                       <m:sSub>
                         <m:sSubPr>
                           <m:ctrlPr>
-                            <a:rPr kumimoji="1" lang="en-US" altLang="ja-JP" b="1" smtClean="0">
+                            <a:rPr kumimoji="1" lang="en-US" altLang="ja-JP" b="1" i="1" smtClean="0">
                               <a:solidFill>
                                 <a:schemeClr val="bg1"/>
                               </a:solidFill>
@@ -25007,7 +24996,7 @@
             </p:txBody>
           </p:sp>
         </mc:Choice>
-        <mc:Fallback>
+        <mc:Fallback xmlns="">
           <p:sp>
             <p:nvSpPr>
               <p:cNvPr id="54" name="テキスト ボックス 53">
@@ -25052,8 +25041,8 @@
           </p:sp>
         </mc:Fallback>
       </mc:AlternateContent>
-      <mc:AlternateContent xmlns:mc="http://schemas.openxmlformats.org/markup-compatibility/2006">
-        <mc:Choice xmlns:a14="http://schemas.microsoft.com/office/drawing/2010/main" Requires="a14">
+      <mc:AlternateContent xmlns:mc="http://schemas.openxmlformats.org/markup-compatibility/2006" xmlns:a14="http://schemas.microsoft.com/office/drawing/2010/main">
+        <mc:Choice Requires="a14">
           <p:sp>
             <p:nvSpPr>
               <p:cNvPr id="55" name="テキスト ボックス 54">
@@ -25092,7 +25081,7 @@
                       <m:sSub>
                         <m:sSubPr>
                           <m:ctrlPr>
-                            <a:rPr kumimoji="1" lang="en-US" altLang="ja-JP" b="1" smtClean="0">
+                            <a:rPr kumimoji="1" lang="en-US" altLang="ja-JP" b="1" i="1" smtClean="0">
                               <a:latin typeface="Cambria Math" panose="02040503050406030204" pitchFamily="18" charset="0"/>
                             </a:rPr>
                           </m:ctrlPr>
@@ -25122,7 +25111,7 @@
             </p:txBody>
           </p:sp>
         </mc:Choice>
-        <mc:Fallback>
+        <mc:Fallback xmlns="">
           <p:sp>
             <p:nvSpPr>
               <p:cNvPr id="55" name="テキスト ボックス 54">
@@ -25167,8 +25156,8 @@
           </p:sp>
         </mc:Fallback>
       </mc:AlternateContent>
-      <mc:AlternateContent xmlns:mc="http://schemas.openxmlformats.org/markup-compatibility/2006">
-        <mc:Choice xmlns:a14="http://schemas.microsoft.com/office/drawing/2010/main" Requires="a14">
+      <mc:AlternateContent xmlns:mc="http://schemas.openxmlformats.org/markup-compatibility/2006" xmlns:a14="http://schemas.microsoft.com/office/drawing/2010/main">
+        <mc:Choice Requires="a14">
           <p:sp>
             <p:nvSpPr>
               <p:cNvPr id="56" name="テキスト ボックス 55">
@@ -25207,7 +25196,7 @@
                       <m:sSub>
                         <m:sSubPr>
                           <m:ctrlPr>
-                            <a:rPr kumimoji="1" lang="en-US" altLang="ja-JP" b="1" smtClean="0">
+                            <a:rPr kumimoji="1" lang="en-US" altLang="ja-JP" b="1" i="1" smtClean="0">
                               <a:latin typeface="Cambria Math" panose="02040503050406030204" pitchFamily="18" charset="0"/>
                             </a:rPr>
                           </m:ctrlPr>
@@ -25237,7 +25226,7 @@
             </p:txBody>
           </p:sp>
         </mc:Choice>
-        <mc:Fallback>
+        <mc:Fallback xmlns="">
           <p:sp>
             <p:nvSpPr>
               <p:cNvPr id="56" name="テキスト ボックス 55">
@@ -25282,8 +25271,8 @@
           </p:sp>
         </mc:Fallback>
       </mc:AlternateContent>
-      <mc:AlternateContent xmlns:mc="http://schemas.openxmlformats.org/markup-compatibility/2006">
-        <mc:Choice xmlns:a14="http://schemas.microsoft.com/office/drawing/2010/main" Requires="a14">
+      <mc:AlternateContent xmlns:mc="http://schemas.openxmlformats.org/markup-compatibility/2006" xmlns:a14="http://schemas.microsoft.com/office/drawing/2010/main">
+        <mc:Choice Requires="a14">
           <p:sp>
             <p:nvSpPr>
               <p:cNvPr id="57" name="テキスト ボックス 56">
@@ -25322,7 +25311,7 @@
                       <m:sSub>
                         <m:sSubPr>
                           <m:ctrlPr>
-                            <a:rPr kumimoji="1" lang="en-US" altLang="ja-JP" b="1" smtClean="0">
+                            <a:rPr kumimoji="1" lang="en-US" altLang="ja-JP" b="1" i="1" smtClean="0">
                               <a:latin typeface="Cambria Math" panose="02040503050406030204" pitchFamily="18" charset="0"/>
                             </a:rPr>
                           </m:ctrlPr>
@@ -25352,7 +25341,7 @@
             </p:txBody>
           </p:sp>
         </mc:Choice>
-        <mc:Fallback>
+        <mc:Fallback xmlns="">
           <p:sp>
             <p:nvSpPr>
               <p:cNvPr id="57" name="テキスト ボックス 56">
@@ -25397,8 +25386,8 @@
           </p:sp>
         </mc:Fallback>
       </mc:AlternateContent>
-      <mc:AlternateContent xmlns:mc="http://schemas.openxmlformats.org/markup-compatibility/2006">
-        <mc:Choice xmlns:a14="http://schemas.microsoft.com/office/drawing/2010/main" Requires="a14">
+      <mc:AlternateContent xmlns:mc="http://schemas.openxmlformats.org/markup-compatibility/2006" xmlns:a14="http://schemas.microsoft.com/office/drawing/2010/main">
+        <mc:Choice Requires="a14">
           <p:sp>
             <p:nvSpPr>
               <p:cNvPr id="58" name="テキスト ボックス 57">
@@ -25437,7 +25426,7 @@
                       <m:sSub>
                         <m:sSubPr>
                           <m:ctrlPr>
-                            <a:rPr kumimoji="1" lang="en-US" altLang="ja-JP" b="1" smtClean="0">
+                            <a:rPr kumimoji="1" lang="en-US" altLang="ja-JP" b="1" i="1" smtClean="0">
                               <a:latin typeface="Cambria Math" panose="02040503050406030204" pitchFamily="18" charset="0"/>
                             </a:rPr>
                           </m:ctrlPr>
@@ -25467,7 +25456,7 @@
             </p:txBody>
           </p:sp>
         </mc:Choice>
-        <mc:Fallback>
+        <mc:Fallback xmlns="">
           <p:sp>
             <p:nvSpPr>
               <p:cNvPr id="58" name="テキスト ボックス 57">
@@ -25512,8 +25501,8 @@
           </p:sp>
         </mc:Fallback>
       </mc:AlternateContent>
-      <mc:AlternateContent xmlns:mc="http://schemas.openxmlformats.org/markup-compatibility/2006">
-        <mc:Choice xmlns:a14="http://schemas.microsoft.com/office/drawing/2010/main" Requires="a14">
+      <mc:AlternateContent xmlns:mc="http://schemas.openxmlformats.org/markup-compatibility/2006" xmlns:a14="http://schemas.microsoft.com/office/drawing/2010/main">
+        <mc:Choice Requires="a14">
           <p:sp>
             <p:nvSpPr>
               <p:cNvPr id="59" name="テキスト ボックス 58">
@@ -25552,7 +25541,7 @@
                       <m:sSub>
                         <m:sSubPr>
                           <m:ctrlPr>
-                            <a:rPr kumimoji="1" lang="en-US" altLang="ja-JP" b="1" smtClean="0">
+                            <a:rPr kumimoji="1" lang="en-US" altLang="ja-JP" b="1" i="1" smtClean="0">
                               <a:latin typeface="Cambria Math" panose="02040503050406030204" pitchFamily="18" charset="0"/>
                             </a:rPr>
                           </m:ctrlPr>
@@ -25582,7 +25571,7 @@
             </p:txBody>
           </p:sp>
         </mc:Choice>
-        <mc:Fallback>
+        <mc:Fallback xmlns="">
           <p:sp>
             <p:nvSpPr>
               <p:cNvPr id="59" name="テキスト ボックス 58">
@@ -25627,8 +25616,8 @@
           </p:sp>
         </mc:Fallback>
       </mc:AlternateContent>
-      <mc:AlternateContent xmlns:mc="http://schemas.openxmlformats.org/markup-compatibility/2006">
-        <mc:Choice xmlns:a14="http://schemas.microsoft.com/office/drawing/2010/main" Requires="a14">
+      <mc:AlternateContent xmlns:mc="http://schemas.openxmlformats.org/markup-compatibility/2006" xmlns:a14="http://schemas.microsoft.com/office/drawing/2010/main">
+        <mc:Choice Requires="a14">
           <p:sp>
             <p:nvSpPr>
               <p:cNvPr id="60" name="テキスト ボックス 59">
@@ -25667,7 +25656,7 @@
                       <m:sSub>
                         <m:sSubPr>
                           <m:ctrlPr>
-                            <a:rPr kumimoji="1" lang="en-US" altLang="ja-JP" b="1" smtClean="0">
+                            <a:rPr kumimoji="1" lang="en-US" altLang="ja-JP" b="1" i="1" smtClean="0">
                               <a:solidFill>
                                 <a:schemeClr val="bg1"/>
                               </a:solidFill>
@@ -25706,7 +25695,7 @@
             </p:txBody>
           </p:sp>
         </mc:Choice>
-        <mc:Fallback>
+        <mc:Fallback xmlns="">
           <p:sp>
             <p:nvSpPr>
               <p:cNvPr id="60" name="テキスト ボックス 59">
@@ -28061,8 +28050,8 @@
           </a:p>
         </p:txBody>
       </p:sp>
-      <mc:AlternateContent xmlns:mc="http://schemas.openxmlformats.org/markup-compatibility/2006">
-        <mc:Choice xmlns:a14="http://schemas.microsoft.com/office/drawing/2010/main" Requires="a14">
+      <mc:AlternateContent xmlns:mc="http://schemas.openxmlformats.org/markup-compatibility/2006" xmlns:a14="http://schemas.microsoft.com/office/drawing/2010/main">
+        <mc:Choice Requires="a14">
           <p:sp>
             <p:nvSpPr>
               <p:cNvPr id="51" name="正方形/長方形 50">
@@ -28095,7 +28084,7 @@
                     <m:sSub>
                       <m:sSubPr>
                         <m:ctrlPr>
-                          <a:rPr lang="en-US" altLang="ja-JP" b="1" smtClean="0">
+                          <a:rPr lang="en-US" altLang="ja-JP" b="1" i="1" smtClean="0">
                             <a:latin typeface="Cambria Math" panose="02040503050406030204" pitchFamily="18" charset="0"/>
                           </a:rPr>
                         </m:ctrlPr>
@@ -28128,7 +28117,7 @@
                     <m:sSub>
                       <m:sSubPr>
                         <m:ctrlPr>
-                          <a:rPr lang="en-US" altLang="ja-JP" b="1" dirty="0" smtClean="0">
+                          <a:rPr lang="en-US" altLang="ja-JP" b="1" i="1" dirty="0" smtClean="0">
                             <a:latin typeface="Cambria Math" panose="02040503050406030204" pitchFamily="18" charset="0"/>
                           </a:rPr>
                         </m:ctrlPr>
@@ -28161,7 +28150,7 @@
             </p:txBody>
           </p:sp>
         </mc:Choice>
-        <mc:Fallback>
+        <mc:Fallback xmlns="">
           <p:sp>
             <p:nvSpPr>
               <p:cNvPr id="51" name="正方形/長方形 50">
@@ -28206,8 +28195,8 @@
           </p:sp>
         </mc:Fallback>
       </mc:AlternateContent>
-      <mc:AlternateContent xmlns:mc="http://schemas.openxmlformats.org/markup-compatibility/2006">
-        <mc:Choice xmlns:a14="http://schemas.microsoft.com/office/drawing/2010/main" Requires="a14">
+      <mc:AlternateContent xmlns:mc="http://schemas.openxmlformats.org/markup-compatibility/2006" xmlns:a14="http://schemas.microsoft.com/office/drawing/2010/main">
+        <mc:Choice Requires="a14">
           <p:sp>
             <p:nvSpPr>
               <p:cNvPr id="52" name="正方形/長方形 51">
@@ -28245,7 +28234,7 @@
                       <m:sSub>
                         <m:sSubPr>
                           <m:ctrlPr>
-                            <a:rPr lang="en-US" altLang="ja-JP" b="1" smtClean="0">
+                            <a:rPr lang="en-US" altLang="ja-JP" b="1" i="1" smtClean="0">
                               <a:latin typeface="Cambria Math" panose="02040503050406030204" pitchFamily="18" charset="0"/>
                             </a:rPr>
                           </m:ctrlPr>
@@ -28275,7 +28264,7 @@
             </p:txBody>
           </p:sp>
         </mc:Choice>
-        <mc:Fallback>
+        <mc:Fallback xmlns="">
           <p:sp>
             <p:nvSpPr>
               <p:cNvPr id="52" name="正方形/長方形 51">

--- a/path_planning/random_sampling/rrt_star/rrt_star.pptx
+++ b/path_planning/random_sampling/rrt_star/rrt_star.pptx
@@ -211,7 +211,7 @@
           <a:p>
             <a:fld id="{C05D3741-4BF1-4174-BB12-98FD157D24BE}" type="datetimeFigureOut">
               <a:rPr kumimoji="1" lang="ja-JP" altLang="en-US" smtClean="0"/>
-              <a:t>2020/9/14</a:t>
+              <a:t>2020/11/12</a:t>
             </a:fld>
             <a:endParaRPr kumimoji="1" lang="ja-JP" altLang="en-US"/>
           </a:p>
@@ -376,7 +376,7 @@
           <a:p>
             <a:fld id="{4133F667-6584-408D-AD7E-D18D0869DE33}" type="datetimeFigureOut">
               <a:rPr kumimoji="1" lang="ja-JP" altLang="en-US" smtClean="0"/>
-              <a:t>2020/9/14</a:t>
+              <a:t>2020/11/12</a:t>
             </a:fld>
             <a:endParaRPr kumimoji="1" lang="ja-JP" altLang="en-US"/>
           </a:p>
@@ -1142,7 +1142,7 @@
           <a:p>
             <a:fld id="{58A231F8-05F8-4D04-8D8F-8D36F813C960}" type="datetime1">
               <a:rPr kumimoji="1" lang="ja-JP" altLang="en-US" smtClean="0"/>
-              <a:t>2020/9/14</a:t>
+              <a:t>2020/11/12</a:t>
             </a:fld>
             <a:endParaRPr kumimoji="1" lang="ja-JP" altLang="en-US" dirty="0"/>
           </a:p>
@@ -1630,7 +1630,7 @@
           <a:p>
             <a:fld id="{2EA862FE-B9D9-42A4-9B96-9BF43C1C92F4}" type="datetime1">
               <a:rPr kumimoji="1" lang="ja-JP" altLang="en-US" smtClean="0"/>
-              <a:t>2020/9/14</a:t>
+              <a:t>2020/11/12</a:t>
             </a:fld>
             <a:endParaRPr kumimoji="1" lang="ja-JP" altLang="en-US"/>
           </a:p>
@@ -1919,7 +1919,7 @@
           <a:p>
             <a:fld id="{7EAA7B6B-D7DB-4F50-8363-5CAEA241D462}" type="datetime1">
               <a:rPr kumimoji="1" lang="ja-JP" altLang="en-US" smtClean="0"/>
-              <a:t>2020/9/14</a:t>
+              <a:t>2020/11/12</a:t>
             </a:fld>
             <a:endParaRPr kumimoji="1" lang="ja-JP" altLang="en-US"/>
           </a:p>
@@ -2181,7 +2181,7 @@
           <a:p>
             <a:fld id="{575A211C-F59B-4698-A055-613DBD159966}" type="datetime1">
               <a:rPr kumimoji="1" lang="ja-JP" altLang="en-US" smtClean="0"/>
-              <a:t>2020/9/14</a:t>
+              <a:t>2020/11/12</a:t>
             </a:fld>
             <a:endParaRPr kumimoji="1" lang="ja-JP" altLang="en-US"/>
           </a:p>
@@ -2448,7 +2448,7 @@
           <a:p>
             <a:fld id="{6C64430C-D7C9-451F-BB5A-4067700317EA}" type="datetime1">
               <a:rPr kumimoji="1" lang="ja-JP" altLang="en-US" smtClean="0"/>
-              <a:t>2020/9/14</a:t>
+              <a:t>2020/11/12</a:t>
             </a:fld>
             <a:endParaRPr kumimoji="1" lang="ja-JP" altLang="en-US"/>
           </a:p>
@@ -2819,7 +2819,7 @@
           <a:p>
             <a:fld id="{3BA0A93C-43D0-4C25-A999-C90A412EB384}" type="datetime1">
               <a:rPr kumimoji="1" lang="ja-JP" altLang="en-US" smtClean="0"/>
-              <a:t>2020/9/14</a:t>
+              <a:t>2020/11/12</a:t>
             </a:fld>
             <a:endParaRPr kumimoji="1" lang="ja-JP" altLang="en-US"/>
           </a:p>
@@ -3344,7 +3344,7 @@
           <a:p>
             <a:fld id="{17080468-DCD8-4552-92F2-26A66A1920AE}" type="datetime1">
               <a:rPr kumimoji="1" lang="ja-JP" altLang="en-US" smtClean="0"/>
-              <a:t>2020/9/14</a:t>
+              <a:t>2020/11/12</a:t>
             </a:fld>
             <a:endParaRPr kumimoji="1" lang="ja-JP" altLang="en-US"/>
           </a:p>
@@ -3710,7 +3710,7 @@
           <a:p>
             <a:fld id="{CF0BF97F-6A36-45BD-B261-185AD2EFD4F1}" type="datetime1">
               <a:rPr kumimoji="1" lang="ja-JP" altLang="en-US" smtClean="0"/>
-              <a:t>2020/9/14</a:t>
+              <a:t>2020/11/12</a:t>
             </a:fld>
             <a:endParaRPr kumimoji="1" lang="ja-JP" altLang="en-US"/>
           </a:p>
@@ -4196,7 +4196,7 @@
           <a:p>
             <a:fld id="{E187A37F-063B-4BF2-AE47-16D6CC460300}" type="datetime1">
               <a:rPr kumimoji="1" lang="ja-JP" altLang="en-US" smtClean="0"/>
-              <a:t>2020/9/14</a:t>
+              <a:t>2020/11/12</a:t>
             </a:fld>
             <a:endParaRPr kumimoji="1" lang="ja-JP" altLang="en-US"/>
           </a:p>
@@ -4291,7 +4291,7 @@
           <a:p>
             <a:fld id="{37A6803A-338A-4D1E-9AEA-3938A412C9D0}" type="datetime1">
               <a:rPr kumimoji="1" lang="ja-JP" altLang="en-US" smtClean="0"/>
-              <a:t>2020/9/14</a:t>
+              <a:t>2020/11/12</a:t>
             </a:fld>
             <a:endParaRPr kumimoji="1" lang="ja-JP" altLang="en-US"/>
           </a:p>
@@ -4453,7 +4453,7 @@
           <a:p>
             <a:fld id="{176F41DB-9FE4-4BC2-AA18-F04C127911AB}" type="datetime1">
               <a:rPr kumimoji="1" lang="ja-JP" altLang="en-US" smtClean="0"/>
-              <a:t>2020/9/14</a:t>
+              <a:t>2020/11/12</a:t>
             </a:fld>
             <a:endParaRPr kumimoji="1" lang="ja-JP" altLang="en-US"/>
           </a:p>
@@ -4548,7 +4548,7 @@
           <a:p>
             <a:fld id="{176F41DB-9FE4-4BC2-AA18-F04C127911AB}" type="datetime1">
               <a:rPr kumimoji="1" lang="ja-JP" altLang="en-US" smtClean="0"/>
-              <a:t>2020/9/14</a:t>
+              <a:t>2020/11/12</a:t>
             </a:fld>
             <a:endParaRPr kumimoji="1" lang="ja-JP" altLang="en-US"/>
           </a:p>
@@ -4857,7 +4857,7 @@
           <a:p>
             <a:fld id="{DB38D941-B664-458C-B9FE-B4BFA20B7DB2}" type="datetime1">
               <a:rPr kumimoji="1" lang="ja-JP" altLang="en-US" smtClean="0"/>
-              <a:t>2020/9/14</a:t>
+              <a:t>2020/11/12</a:t>
             </a:fld>
             <a:endParaRPr kumimoji="1" lang="ja-JP" altLang="en-US"/>
           </a:p>
@@ -6046,8 +6046,8 @@
           </a:p>
         </p:txBody>
       </p:sp>
-      <mc:AlternateContent xmlns:mc="http://schemas.openxmlformats.org/markup-compatibility/2006">
-        <mc:Choice xmlns:a14="http://schemas.microsoft.com/office/drawing/2010/main" Requires="a14">
+      <mc:AlternateContent xmlns:mc="http://schemas.openxmlformats.org/markup-compatibility/2006" xmlns:a14="http://schemas.microsoft.com/office/drawing/2010/main">
+        <mc:Choice Requires="a14">
           <p:sp>
             <p:nvSpPr>
               <p:cNvPr id="34" name="正方形/長方形 33">
@@ -6146,7 +6146,7 @@
             </p:txBody>
           </p:sp>
         </mc:Choice>
-        <mc:Fallback>
+        <mc:Fallback xmlns="">
           <p:sp>
             <p:nvSpPr>
               <p:cNvPr id="34" name="正方形/長方形 33">
@@ -6191,8 +6191,8 @@
           </p:sp>
         </mc:Fallback>
       </mc:AlternateContent>
-      <mc:AlternateContent xmlns:mc="http://schemas.openxmlformats.org/markup-compatibility/2006">
-        <mc:Choice xmlns:a14="http://schemas.microsoft.com/office/drawing/2010/main" Requires="a14">
+      <mc:AlternateContent xmlns:mc="http://schemas.openxmlformats.org/markup-compatibility/2006" xmlns:a14="http://schemas.microsoft.com/office/drawing/2010/main">
+        <mc:Choice Requires="a14">
           <p:sp>
             <p:nvSpPr>
               <p:cNvPr id="36" name="正方形/長方形 35">
@@ -6260,7 +6260,7 @@
             </p:txBody>
           </p:sp>
         </mc:Choice>
-        <mc:Fallback>
+        <mc:Fallback xmlns="">
           <p:sp>
             <p:nvSpPr>
               <p:cNvPr id="36" name="正方形/長方形 35">
@@ -9968,53 +9968,6 @@
           <a:xfrm flipV="1">
             <a:off x="3360647" y="2692617"/>
             <a:ext cx="1304820" cy="2096187"/>
-          </a:xfrm>
-          <a:prstGeom prst="straightConnector1">
-            <a:avLst/>
-          </a:prstGeom>
-          <a:ln w="28575">
-            <a:solidFill>
-              <a:schemeClr val="tx1"/>
-            </a:solidFill>
-            <a:headEnd type="triangle"/>
-            <a:tailEnd type="triangle"/>
-          </a:ln>
-        </p:spPr>
-        <p:style>
-          <a:lnRef idx="1">
-            <a:schemeClr val="accent1"/>
-          </a:lnRef>
-          <a:fillRef idx="0">
-            <a:schemeClr val="accent1"/>
-          </a:fillRef>
-          <a:effectRef idx="0">
-            <a:schemeClr val="accent1"/>
-          </a:effectRef>
-          <a:fontRef idx="minor">
-            <a:schemeClr val="tx1"/>
-          </a:fontRef>
-        </p:style>
-      </p:cxnSp>
-      <p:cxnSp>
-        <p:nvCxnSpPr>
-          <p:cNvPr id="36" name="直線矢印コネクタ 35">
-            <a:extLst>
-              <a:ext uri="{FF2B5EF4-FFF2-40B4-BE49-F238E27FC236}">
-                <a16:creationId xmlns:a16="http://schemas.microsoft.com/office/drawing/2014/main" id="{65A36429-88B3-43FA-842C-091A52CA822F}"/>
-              </a:ext>
-            </a:extLst>
-          </p:cNvPr>
-          <p:cNvCxnSpPr>
-            <a:cxnSpLocks/>
-            <a:stCxn id="15" idx="2"/>
-            <a:endCxn id="20" idx="6"/>
-          </p:cNvCxnSpPr>
-          <p:nvPr/>
-        </p:nvCxnSpPr>
-        <p:spPr>
-          <a:xfrm flipH="1">
-            <a:off x="4779337" y="2452750"/>
-            <a:ext cx="2433730" cy="124244"/>
           </a:xfrm>
           <a:prstGeom prst="straightConnector1">
             <a:avLst/>
@@ -21462,8 +21415,8 @@
           </a:fontRef>
         </p:style>
       </p:cxnSp>
-      <mc:AlternateContent xmlns:mc="http://schemas.openxmlformats.org/markup-compatibility/2006">
-        <mc:Choice xmlns:a14="http://schemas.microsoft.com/office/drawing/2010/main" Requires="a14">
+      <mc:AlternateContent xmlns:mc="http://schemas.openxmlformats.org/markup-compatibility/2006" xmlns:a14="http://schemas.microsoft.com/office/drawing/2010/main">
+        <mc:Choice Requires="a14">
           <p:sp>
             <p:nvSpPr>
               <p:cNvPr id="35" name="テキスト ボックス 34">
@@ -21506,7 +21459,7 @@
                     <m:sSub>
                       <m:sSubPr>
                         <m:ctrlPr>
-                          <a:rPr kumimoji="1" lang="en-US" altLang="ja-JP" b="1" smtClean="0">
+                          <a:rPr kumimoji="1" lang="en-US" altLang="ja-JP" b="1" i="1" smtClean="0">
                             <a:solidFill>
                               <a:srgbClr val="7030A0"/>
                             </a:solidFill>
@@ -21576,7 +21529,7 @@
             </p:txBody>
           </p:sp>
         </mc:Choice>
-        <mc:Fallback>
+        <mc:Fallback xmlns="">
           <p:sp>
             <p:nvSpPr>
               <p:cNvPr id="35" name="テキスト ボックス 34">
@@ -22621,8 +22574,8 @@
           </a:p>
         </p:txBody>
       </p:sp>
-      <mc:AlternateContent xmlns:mc="http://schemas.openxmlformats.org/markup-compatibility/2006">
-        <mc:Choice xmlns:a14="http://schemas.microsoft.com/office/drawing/2010/main" Requires="a14">
+      <mc:AlternateContent xmlns:mc="http://schemas.openxmlformats.org/markup-compatibility/2006" xmlns:a14="http://schemas.microsoft.com/office/drawing/2010/main">
+        <mc:Choice Requires="a14">
           <p:sp>
             <p:nvSpPr>
               <p:cNvPr id="50" name="テキスト ボックス 49">
@@ -22665,7 +22618,7 @@
                     <m:sSub>
                       <m:sSubPr>
                         <m:ctrlPr>
-                          <a:rPr kumimoji="1" lang="en-US" altLang="ja-JP" b="1" smtClean="0">
+                          <a:rPr kumimoji="1" lang="en-US" altLang="ja-JP" b="1" i="1" smtClean="0">
                             <a:solidFill>
                               <a:srgbClr val="C00000"/>
                             </a:solidFill>
@@ -22767,7 +22720,7 @@
             </p:txBody>
           </p:sp>
         </mc:Choice>
-        <mc:Fallback>
+        <mc:Fallback xmlns="">
           <p:sp>
             <p:nvSpPr>
               <p:cNvPr id="50" name="テキスト ボックス 49">
